--- a/Blazor-MAUI-Demos/wwwroot/data/powerpoint/template.pptx
+++ b/Blazor-MAUI-Demos/wwwroot/data/powerpoint/template.pptx
@@ -6,9 +6,12 @@
   </p:sldMasterIdLst>
   <p:sldIdLst>
     <p:sldId id="256" r:id="rId2"/>
-    <p:sldId id="263" r:id="rId3"/>
-    <p:sldId id="260" r:id="rId4"/>
-    <p:sldId id="261" r:id="rId5"/>
+    <p:sldId id="264" r:id="rId3"/>
+    <p:sldId id="265" r:id="rId4"/>
+    <p:sldId id="262" r:id="rId5"/>
+    <p:sldId id="263" r:id="rId6"/>
+    <p:sldId id="260" r:id="rId7"/>
+    <p:sldId id="261" r:id="rId8"/>
   </p:sldIdLst>
   <p:sldSz cx="12192000" cy="6858000"/>
   <p:notesSz cx="6858000" cy="9144000"/>
@@ -1287,7 +1290,7 @@
           <a:p>
             <a:fld id="{5455A7CF-DB6C-4325-93B5-8C3F06D80356}" type="datetimeFigureOut">
               <a:rPr lang="en-US" smtClean="0"/>
-              <a:t>6/16/2021</a:t>
+              <a:t>3/4/2025</a:t>
             </a:fld>
             <a:endParaRPr lang="en-US"/>
           </a:p>
@@ -1485,7 +1488,7 @@
           <a:p>
             <a:fld id="{5455A7CF-DB6C-4325-93B5-8C3F06D80356}" type="datetimeFigureOut">
               <a:rPr lang="en-US" smtClean="0"/>
-              <a:t>6/16/2021</a:t>
+              <a:t>3/4/2025</a:t>
             </a:fld>
             <a:endParaRPr lang="en-US"/>
           </a:p>
@@ -1693,7 +1696,7 @@
           <a:p>
             <a:fld id="{5455A7CF-DB6C-4325-93B5-8C3F06D80356}" type="datetimeFigureOut">
               <a:rPr lang="en-US" smtClean="0"/>
-              <a:t>6/16/2021</a:t>
+              <a:t>3/4/2025</a:t>
             </a:fld>
             <a:endParaRPr lang="en-US"/>
           </a:p>
@@ -1891,7 +1894,7 @@
           <a:p>
             <a:fld id="{5455A7CF-DB6C-4325-93B5-8C3F06D80356}" type="datetimeFigureOut">
               <a:rPr lang="en-US" smtClean="0"/>
-              <a:t>6/16/2021</a:t>
+              <a:t>3/4/2025</a:t>
             </a:fld>
             <a:endParaRPr lang="en-US"/>
           </a:p>
@@ -2166,7 +2169,7 @@
           <a:p>
             <a:fld id="{5455A7CF-DB6C-4325-93B5-8C3F06D80356}" type="datetimeFigureOut">
               <a:rPr lang="en-US" smtClean="0"/>
-              <a:t>6/16/2021</a:t>
+              <a:t>3/4/2025</a:t>
             </a:fld>
             <a:endParaRPr lang="en-US"/>
           </a:p>
@@ -2431,7 +2434,7 @@
           <a:p>
             <a:fld id="{5455A7CF-DB6C-4325-93B5-8C3F06D80356}" type="datetimeFigureOut">
               <a:rPr lang="en-US" smtClean="0"/>
-              <a:t>6/16/2021</a:t>
+              <a:t>3/4/2025</a:t>
             </a:fld>
             <a:endParaRPr lang="en-US"/>
           </a:p>
@@ -2843,7 +2846,7 @@
           <a:p>
             <a:fld id="{5455A7CF-DB6C-4325-93B5-8C3F06D80356}" type="datetimeFigureOut">
               <a:rPr lang="en-US" smtClean="0"/>
-              <a:t>6/16/2021</a:t>
+              <a:t>3/4/2025</a:t>
             </a:fld>
             <a:endParaRPr lang="en-US"/>
           </a:p>
@@ -2984,7 +2987,7 @@
           <a:p>
             <a:fld id="{5455A7CF-DB6C-4325-93B5-8C3F06D80356}" type="datetimeFigureOut">
               <a:rPr lang="en-US" smtClean="0"/>
-              <a:t>6/16/2021</a:t>
+              <a:t>3/4/2025</a:t>
             </a:fld>
             <a:endParaRPr lang="en-US"/>
           </a:p>
@@ -3097,7 +3100,7 @@
           <a:p>
             <a:fld id="{5455A7CF-DB6C-4325-93B5-8C3F06D80356}" type="datetimeFigureOut">
               <a:rPr lang="en-US" smtClean="0"/>
-              <a:t>6/16/2021</a:t>
+              <a:t>3/4/2025</a:t>
             </a:fld>
             <a:endParaRPr lang="en-US"/>
           </a:p>
@@ -3408,7 +3411,7 @@
           <a:p>
             <a:fld id="{5455A7CF-DB6C-4325-93B5-8C3F06D80356}" type="datetimeFigureOut">
               <a:rPr lang="en-US" smtClean="0"/>
-              <a:t>6/16/2021</a:t>
+              <a:t>3/4/2025</a:t>
             </a:fld>
             <a:endParaRPr lang="en-US"/>
           </a:p>
@@ -3696,7 +3699,7 @@
           <a:p>
             <a:fld id="{5455A7CF-DB6C-4325-93B5-8C3F06D80356}" type="datetimeFigureOut">
               <a:rPr lang="en-US" smtClean="0"/>
-              <a:t>6/16/2021</a:t>
+              <a:t>3/4/2025</a:t>
             </a:fld>
             <a:endParaRPr lang="en-US"/>
           </a:p>
@@ -3937,7 +3940,7 @@
           <a:p>
             <a:fld id="{5455A7CF-DB6C-4325-93B5-8C3F06D80356}" type="datetimeFigureOut">
               <a:rPr lang="en-US" smtClean="0"/>
-              <a:t>6/16/2021</a:t>
+              <a:t>3/4/2025</a:t>
             </a:fld>
             <a:endParaRPr lang="en-US"/>
           </a:p>
@@ -4393,7 +4396,7 @@
         <p:spPr bwMode="white">
           <a:xfrm>
             <a:off x="675894" y="1799971"/>
-            <a:ext cx="11102213" cy="986790"/>
+            <a:ext cx="11102213" cy="923330"/>
           </a:xfrm>
           <a:prstGeom prst="rect">
             <a:avLst/>
@@ -4412,7 +4415,19 @@
             <a:pPr defTabSz="914400"/>
             <a:r>
               <a:rPr dirty="0"/>
-              <a:t>IMN Solutions PVT LTD is the software company, established in 1987, by George Milton. The company has been listed as the trusted partner for many high-profile organizations since 1988 and got awards for quality products from reputed organizations.</a:t>
+              <a:t>IMN Solutions PVT LTD is the software company, established in 1987, by George Milton. The company has been listed as the trusted partner for many high-profile organizations </a:t>
+            </a:r>
+            <a:r>
+              <a:rPr dirty="0">
+                <a:highlight>
+                  <a:srgbClr val="FFFF00"/>
+                </a:highlight>
+              </a:rPr>
+              <a:t>since 1988</a:t>
+            </a:r>
+            <a:r>
+              <a:rPr dirty="0"/>
+              <a:t> and got awards for quality products from reputed organizations.</a:t>
             </a:r>
           </a:p>
         </p:txBody>
@@ -4449,7 +4464,19 @@
             </a:pPr>
             <a:r>
               <a:rPr dirty="0"/>
-              <a:t>The company acquired the MCY corporation for 20 billion dollars and became the top revenue maker for the year 2015.</a:t>
+              <a:t>The company acquired the </a:t>
+            </a:r>
+            <a:r>
+              <a:rPr dirty="0">
+                <a:highlight>
+                  <a:srgbClr val="00FF00"/>
+                </a:highlight>
+              </a:rPr>
+              <a:t>MCY corporation for 20 billion dollars</a:t>
+            </a:r>
+            <a:r>
+              <a:rPr dirty="0"/>
+              <a:t> and became the top revenue maker for the year 2015.</a:t>
             </a:r>
           </a:p>
           <a:p>
@@ -4568,6 +4595,2483 @@
           <a:chExt cx="0" cy="0"/>
         </a:xfrm>
       </p:grpSpPr>
+      <p:graphicFrame>
+        <p:nvGraphicFramePr>
+          <p:cNvPr id="6" name="Table 5">
+            <a:extLst>
+              <a:ext uri="{FF2B5EF4-FFF2-40B4-BE49-F238E27FC236}">
+                <a16:creationId xmlns:a16="http://schemas.microsoft.com/office/drawing/2014/main" id="{94C7F234-8050-2FF0-96AF-E57E18D3288C}"/>
+              </a:ext>
+            </a:extLst>
+          </p:cNvPr>
+          <p:cNvGraphicFramePr>
+            <a:graphicFrameLocks noGrp="1"/>
+          </p:cNvGraphicFramePr>
+          <p:nvPr/>
+        </p:nvGraphicFramePr>
+        <p:xfrm>
+          <a:off x="588252" y="2946158"/>
+          <a:ext cx="10610690" cy="3760830"/>
+        </p:xfrm>
+        <a:graphic>
+          <a:graphicData uri="http://schemas.openxmlformats.org/drawingml/2006/table">
+            <a:tbl>
+              <a:tblPr firstCol="1" bandRow="1">
+                <a:tableStyleId>{7DF18680-E054-41AD-8BC1-D1AEF772440D}</a:tableStyleId>
+              </a:tblPr>
+              <a:tblGrid>
+                <a:gridCol w="2561201">
+                  <a:extLst>
+                    <a:ext uri="{9D8B030D-6E8A-4147-A177-3AD203B41FA5}">
+                      <a16:colId xmlns:a16="http://schemas.microsoft.com/office/drawing/2014/main" val="1464616093"/>
+                    </a:ext>
+                  </a:extLst>
+                </a:gridCol>
+                <a:gridCol w="8049489">
+                  <a:extLst>
+                    <a:ext uri="{9D8B030D-6E8A-4147-A177-3AD203B41FA5}">
+                      <a16:colId xmlns:a16="http://schemas.microsoft.com/office/drawing/2014/main" val="1192474542"/>
+                    </a:ext>
+                  </a:extLst>
+                </a:gridCol>
+              </a:tblGrid>
+              <a:tr h="890100">
+                <a:tc>
+                  <a:txBody>
+                    <a:bodyPr/>
+                    <a:lstStyle/>
+                    <a:p>
+                      <a:pPr marL="0" marR="0">
+                        <a:lnSpc>
+                          <a:spcPct val="107000"/>
+                        </a:lnSpc>
+                        <a:spcAft>
+                          <a:spcPts val="800"/>
+                        </a:spcAft>
+                      </a:pPr>
+                      <a:r>
+                        <a:rPr lang="en-US" sz="1200" dirty="0">
+                          <a:effectLst/>
+                        </a:rPr>
+                        <a:t>Project Vision</a:t>
+                      </a:r>
+                      <a:endParaRPr lang="en-US" sz="1100" dirty="0">
+                        <a:effectLst/>
+                        <a:latin typeface="Calibri" panose="020F0502020204030204" pitchFamily="34" charset="0"/>
+                        <a:ea typeface="Calibri" panose="020F0502020204030204" pitchFamily="34" charset="0"/>
+                        <a:cs typeface="Calibri" panose="020F0502020204030204" pitchFamily="34" charset="0"/>
+                      </a:endParaRPr>
+                    </a:p>
+                  </a:txBody>
+                  <a:tcPr marL="88900" marR="88900" marT="88900" marB="88900" anchor="ctr"/>
+                </a:tc>
+                <a:tc>
+                  <a:txBody>
+                    <a:bodyPr/>
+                    <a:lstStyle/>
+                    <a:p>
+                      <a:pPr marL="0" marR="0">
+                        <a:lnSpc>
+                          <a:spcPct val="107000"/>
+                        </a:lnSpc>
+                        <a:spcAft>
+                          <a:spcPts val="800"/>
+                        </a:spcAft>
+                      </a:pPr>
+                      <a:r>
+                        <a:rPr lang="en-US" sz="1200" dirty="0">
+                          <a:effectLst/>
+                        </a:rPr>
+                        <a:t>Launch a website on 4/18/2025 that allows customers to purchase products online and reflects Adventure Works Cycle having the highest quality and the best products in its category.</a:t>
+                      </a:r>
+                      <a:endParaRPr lang="en-US" sz="1100" dirty="0">
+                        <a:effectLst/>
+                        <a:latin typeface="Calibri" panose="020F0502020204030204" pitchFamily="34" charset="0"/>
+                        <a:ea typeface="Calibri" panose="020F0502020204030204" pitchFamily="34" charset="0"/>
+                        <a:cs typeface="Calibri" panose="020F0502020204030204" pitchFamily="34" charset="0"/>
+                      </a:endParaRPr>
+                    </a:p>
+                  </a:txBody>
+                  <a:tcPr marL="88900" marR="88900" marT="88900" marB="88900" anchor="ctr"/>
+                </a:tc>
+                <a:extLst>
+                  <a:ext uri="{0D108BD9-81ED-4DB2-BD59-A6C34878D82A}">
+                    <a16:rowId xmlns:a16="http://schemas.microsoft.com/office/drawing/2014/main" val="3649554764"/>
+                  </a:ext>
+                </a:extLst>
+              </a:tr>
+              <a:tr h="660210">
+                <a:tc>
+                  <a:txBody>
+                    <a:bodyPr/>
+                    <a:lstStyle/>
+                    <a:p>
+                      <a:pPr marL="0" marR="0">
+                        <a:lnSpc>
+                          <a:spcPct val="107000"/>
+                        </a:lnSpc>
+                        <a:spcAft>
+                          <a:spcPts val="800"/>
+                        </a:spcAft>
+                      </a:pPr>
+                      <a:r>
+                        <a:rPr lang="en-US" sz="1200">
+                          <a:effectLst/>
+                        </a:rPr>
+                        <a:t>Issues</a:t>
+                      </a:r>
+                      <a:endParaRPr lang="en-US" sz="1100">
+                        <a:effectLst/>
+                        <a:latin typeface="Calibri" panose="020F0502020204030204" pitchFamily="34" charset="0"/>
+                        <a:ea typeface="Calibri" panose="020F0502020204030204" pitchFamily="34" charset="0"/>
+                        <a:cs typeface="Calibri" panose="020F0502020204030204" pitchFamily="34" charset="0"/>
+                      </a:endParaRPr>
+                    </a:p>
+                  </a:txBody>
+                  <a:tcPr marL="88900" marR="88900" marT="88900" marB="88900" anchor="ctr"/>
+                </a:tc>
+                <a:tc>
+                  <a:txBody>
+                    <a:bodyPr/>
+                    <a:lstStyle/>
+                    <a:p>
+                      <a:pPr marL="0" marR="0">
+                        <a:lnSpc>
+                          <a:spcPct val="107000"/>
+                        </a:lnSpc>
+                        <a:spcAft>
+                          <a:spcPts val="800"/>
+                        </a:spcAft>
+                      </a:pPr>
+                      <a:r>
+                        <a:rPr lang="en-US" sz="1200" dirty="0">
+                          <a:effectLst/>
+                        </a:rPr>
+                        <a:t>By the end of next month, if we do not have a finalized product image, we will not be able to meet our deployment deadline.</a:t>
+                      </a:r>
+                      <a:endParaRPr lang="en-US" sz="1100" dirty="0">
+                        <a:effectLst/>
+                        <a:latin typeface="Calibri" panose="020F0502020204030204" pitchFamily="34" charset="0"/>
+                        <a:ea typeface="Calibri" panose="020F0502020204030204" pitchFamily="34" charset="0"/>
+                        <a:cs typeface="Calibri" panose="020F0502020204030204" pitchFamily="34" charset="0"/>
+                      </a:endParaRPr>
+                    </a:p>
+                  </a:txBody>
+                  <a:tcPr marL="88900" marR="88900" marT="88900" marB="88900" anchor="ctr"/>
+                </a:tc>
+                <a:extLst>
+                  <a:ext uri="{0D108BD9-81ED-4DB2-BD59-A6C34878D82A}">
+                    <a16:rowId xmlns:a16="http://schemas.microsoft.com/office/drawing/2014/main" val="3974283757"/>
+                  </a:ext>
+                </a:extLst>
+              </a:tr>
+              <a:tr h="660210">
+                <a:tc>
+                  <a:txBody>
+                    <a:bodyPr/>
+                    <a:lstStyle/>
+                    <a:p>
+                      <a:pPr marL="0" marR="0">
+                        <a:lnSpc>
+                          <a:spcPct val="107000"/>
+                        </a:lnSpc>
+                        <a:spcAft>
+                          <a:spcPts val="800"/>
+                        </a:spcAft>
+                      </a:pPr>
+                      <a:r>
+                        <a:rPr lang="en-US" sz="1200">
+                          <a:effectLst/>
+                        </a:rPr>
+                        <a:t>Milestone accomplished</a:t>
+                      </a:r>
+                      <a:endParaRPr lang="en-US" sz="1100">
+                        <a:effectLst/>
+                        <a:latin typeface="Calibri" panose="020F0502020204030204" pitchFamily="34" charset="0"/>
+                        <a:ea typeface="Calibri" panose="020F0502020204030204" pitchFamily="34" charset="0"/>
+                        <a:cs typeface="Calibri" panose="020F0502020204030204" pitchFamily="34" charset="0"/>
+                      </a:endParaRPr>
+                    </a:p>
+                  </a:txBody>
+                  <a:tcPr marL="88900" marR="88900" marT="88900" marB="88900" anchor="ctr"/>
+                </a:tc>
+                <a:tc>
+                  <a:txBody>
+                    <a:bodyPr/>
+                    <a:lstStyle/>
+                    <a:p>
+                      <a:pPr marL="0" marR="0">
+                        <a:lnSpc>
+                          <a:spcPct val="107000"/>
+                        </a:lnSpc>
+                        <a:spcAft>
+                          <a:spcPts val="800"/>
+                        </a:spcAft>
+                      </a:pPr>
+                      <a:r>
+                        <a:rPr lang="en-US" sz="1200" dirty="0">
+                          <a:effectLst/>
+                        </a:rPr>
+                        <a:t>Framed the basic structure of website.</a:t>
+                      </a:r>
+                      <a:br>
+                        <a:rPr lang="en-US" sz="1100" dirty="0">
+                          <a:effectLst/>
+                        </a:rPr>
+                      </a:br>
+                      <a:r>
+                        <a:rPr lang="en-US" sz="1200" dirty="0">
+                          <a:effectLst/>
+                        </a:rPr>
+                        <a:t>Applied for design review.</a:t>
+                      </a:r>
+                      <a:endParaRPr lang="en-US" sz="1100" dirty="0">
+                        <a:effectLst/>
+                        <a:latin typeface="Calibri" panose="020F0502020204030204" pitchFamily="34" charset="0"/>
+                        <a:ea typeface="Calibri" panose="020F0502020204030204" pitchFamily="34" charset="0"/>
+                        <a:cs typeface="Calibri" panose="020F0502020204030204" pitchFamily="34" charset="0"/>
+                      </a:endParaRPr>
+                    </a:p>
+                  </a:txBody>
+                  <a:tcPr marL="88900" marR="88900" marT="88900" marB="88900" anchor="ctr"/>
+                </a:tc>
+                <a:extLst>
+                  <a:ext uri="{0D108BD9-81ED-4DB2-BD59-A6C34878D82A}">
+                    <a16:rowId xmlns:a16="http://schemas.microsoft.com/office/drawing/2014/main" val="3424702825"/>
+                  </a:ext>
+                </a:extLst>
+              </a:tr>
+              <a:tr h="660210">
+                <a:tc>
+                  <a:txBody>
+                    <a:bodyPr/>
+                    <a:lstStyle/>
+                    <a:p>
+                      <a:pPr marL="0" marR="0">
+                        <a:lnSpc>
+                          <a:spcPct val="107000"/>
+                        </a:lnSpc>
+                        <a:spcAft>
+                          <a:spcPts val="800"/>
+                        </a:spcAft>
+                      </a:pPr>
+                      <a:r>
+                        <a:rPr lang="en-US" sz="1200" dirty="0">
+                          <a:effectLst/>
+                        </a:rPr>
+                        <a:t>Milestones planned for next week</a:t>
+                      </a:r>
+                      <a:endParaRPr lang="en-US" sz="1100" dirty="0">
+                        <a:effectLst/>
+                        <a:latin typeface="Calibri" panose="020F0502020204030204" pitchFamily="34" charset="0"/>
+                        <a:ea typeface="Calibri" panose="020F0502020204030204" pitchFamily="34" charset="0"/>
+                        <a:cs typeface="Calibri" panose="020F0502020204030204" pitchFamily="34" charset="0"/>
+                      </a:endParaRPr>
+                    </a:p>
+                  </a:txBody>
+                  <a:tcPr marL="88900" marR="88900" marT="88900" marB="88900" anchor="ctr"/>
+                </a:tc>
+                <a:tc>
+                  <a:txBody>
+                    <a:bodyPr/>
+                    <a:lstStyle/>
+                    <a:p>
+                      <a:pPr marL="0" marR="0">
+                        <a:lnSpc>
+                          <a:spcPct val="107000"/>
+                        </a:lnSpc>
+                        <a:spcAft>
+                          <a:spcPts val="800"/>
+                        </a:spcAft>
+                      </a:pPr>
+                      <a:r>
+                        <a:rPr lang="en-US" sz="1200" dirty="0">
+                          <a:effectLst/>
+                        </a:rPr>
+                        <a:t>Prepare design files for development.</a:t>
+                      </a:r>
+                      <a:br>
+                        <a:rPr lang="en-US" sz="1100" dirty="0">
+                          <a:effectLst/>
+                        </a:rPr>
+                      </a:br>
+                      <a:r>
+                        <a:rPr lang="en-US" sz="1200" dirty="0">
+                          <a:effectLst/>
+                        </a:rPr>
+                        <a:t>Start development - Sprint 1 (Homepage &amp; Product Detail Page).</a:t>
+                      </a:r>
+                      <a:endParaRPr lang="en-US" sz="1100" dirty="0">
+                        <a:effectLst/>
+                        <a:latin typeface="Calibri" panose="020F0502020204030204" pitchFamily="34" charset="0"/>
+                        <a:ea typeface="Calibri" panose="020F0502020204030204" pitchFamily="34" charset="0"/>
+                        <a:cs typeface="Calibri" panose="020F0502020204030204" pitchFamily="34" charset="0"/>
+                      </a:endParaRPr>
+                    </a:p>
+                  </a:txBody>
+                  <a:tcPr marL="88900" marR="88900" marT="88900" marB="88900" anchor="ctr"/>
+                </a:tc>
+                <a:extLst>
+                  <a:ext uri="{0D108BD9-81ED-4DB2-BD59-A6C34878D82A}">
+                    <a16:rowId xmlns:a16="http://schemas.microsoft.com/office/drawing/2014/main" val="888024937"/>
+                  </a:ext>
+                </a:extLst>
+              </a:tr>
+              <a:tr h="890100">
+                <a:tc>
+                  <a:txBody>
+                    <a:bodyPr/>
+                    <a:lstStyle/>
+                    <a:p>
+                      <a:pPr marL="0" marR="0">
+                        <a:lnSpc>
+                          <a:spcPct val="107000"/>
+                        </a:lnSpc>
+                        <a:spcAft>
+                          <a:spcPts val="800"/>
+                        </a:spcAft>
+                      </a:pPr>
+                      <a:r>
+                        <a:rPr lang="en-US" sz="1200" dirty="0">
+                          <a:effectLst/>
+                        </a:rPr>
+                        <a:t>Upcoming milestones</a:t>
+                      </a:r>
+                      <a:endParaRPr lang="en-US" sz="1100" dirty="0">
+                        <a:effectLst/>
+                        <a:latin typeface="Calibri" panose="020F0502020204030204" pitchFamily="34" charset="0"/>
+                        <a:ea typeface="Calibri" panose="020F0502020204030204" pitchFamily="34" charset="0"/>
+                        <a:cs typeface="Calibri" panose="020F0502020204030204" pitchFamily="34" charset="0"/>
+                      </a:endParaRPr>
+                    </a:p>
+                  </a:txBody>
+                  <a:tcPr marL="88900" marR="88900" marT="88900" marB="88900" anchor="ctr"/>
+                </a:tc>
+                <a:tc>
+                  <a:txBody>
+                    <a:bodyPr/>
+                    <a:lstStyle/>
+                    <a:p>
+                      <a:pPr marL="0" marR="0">
+                        <a:lnSpc>
+                          <a:spcPct val="107000"/>
+                        </a:lnSpc>
+                        <a:spcAft>
+                          <a:spcPts val="800"/>
+                        </a:spcAft>
+                      </a:pPr>
+                      <a:r>
+                        <a:rPr lang="en-US" sz="1200" dirty="0">
+                          <a:effectLst/>
+                        </a:rPr>
+                        <a:t>3/14/2025 : Design Approval</a:t>
+                      </a:r>
+                      <a:br>
+                        <a:rPr lang="en-US" sz="1100" dirty="0">
+                          <a:effectLst/>
+                        </a:rPr>
+                      </a:br>
+                      <a:r>
+                        <a:rPr lang="en-US" sz="1200" dirty="0">
+                          <a:effectLst/>
+                        </a:rPr>
+                        <a:t>3/29/2025 : Development Begins</a:t>
+                      </a:r>
+                      <a:br>
+                        <a:rPr lang="en-US" sz="1100" dirty="0">
+                          <a:effectLst/>
+                        </a:rPr>
+                      </a:br>
+                      <a:r>
+                        <a:rPr lang="en-US" sz="1200" dirty="0">
+                          <a:effectLst/>
+                        </a:rPr>
+                        <a:t>4/13/2025 : Deployment</a:t>
+                      </a:r>
+                      <a:endParaRPr lang="en-US" sz="1100" dirty="0">
+                        <a:effectLst/>
+                        <a:latin typeface="Calibri" panose="020F0502020204030204" pitchFamily="34" charset="0"/>
+                        <a:ea typeface="Calibri" panose="020F0502020204030204" pitchFamily="34" charset="0"/>
+                        <a:cs typeface="Calibri" panose="020F0502020204030204" pitchFamily="34" charset="0"/>
+                      </a:endParaRPr>
+                    </a:p>
+                  </a:txBody>
+                  <a:tcPr marL="88900" marR="88900" marT="88900" marB="88900" anchor="ctr"/>
+                </a:tc>
+                <a:extLst>
+                  <a:ext uri="{0D108BD9-81ED-4DB2-BD59-A6C34878D82A}">
+                    <a16:rowId xmlns:a16="http://schemas.microsoft.com/office/drawing/2014/main" val="4183265658"/>
+                  </a:ext>
+                </a:extLst>
+              </a:tr>
+            </a:tbl>
+          </a:graphicData>
+        </a:graphic>
+      </p:graphicFrame>
+      <p:sp>
+        <p:nvSpPr>
+          <p:cNvPr id="9" name="TextBox 8">
+            <a:extLst>
+              <a:ext uri="{FF2B5EF4-FFF2-40B4-BE49-F238E27FC236}">
+                <a16:creationId xmlns:a16="http://schemas.microsoft.com/office/drawing/2014/main" id="{A6D6B924-2B9F-B3DE-BBE1-E639A4ADAB3B}"/>
+              </a:ext>
+            </a:extLst>
+          </p:cNvPr>
+          <p:cNvSpPr txBox="1"/>
+          <p:nvPr/>
+        </p:nvSpPr>
+        <p:spPr>
+          <a:xfrm>
+            <a:off x="548640" y="1371600"/>
+            <a:ext cx="1698494" cy="369332"/>
+          </a:xfrm>
+          <a:prstGeom prst="rect">
+            <a:avLst/>
+          </a:prstGeom>
+          <a:noFill/>
+        </p:spPr>
+        <p:txBody>
+          <a:bodyPr wrap="square">
+            <a:spAutoFit/>
+          </a:bodyPr>
+          <a:lstStyle/>
+          <a:p>
+            <a:pPr marL="0" marR="0" lvl="0" indent="0" algn="l" defTabSz="914400" rtl="0" eaLnBrk="1" fontAlgn="auto" latinLnBrk="0" hangingPunct="1">
+              <a:lnSpc>
+                <a:spcPct val="100000"/>
+              </a:lnSpc>
+              <a:spcBef>
+                <a:spcPts val="0"/>
+              </a:spcBef>
+              <a:spcAft>
+                <a:spcPts val="0"/>
+              </a:spcAft>
+              <a:buClrTx/>
+              <a:buSzTx/>
+              <a:buFontTx/>
+              <a:buNone/>
+              <a:tabLst/>
+              <a:defRPr/>
+            </a:pPr>
+            <a:r>
+              <a:rPr kumimoji="0" lang="en-US" sz="1800" b="1" i="0" u="none" strike="noStrike" kern="1200" cap="none" spc="0" normalizeH="0" baseline="0" noProof="0" dirty="0">
+                <a:ln>
+                  <a:noFill/>
+                </a:ln>
+                <a:solidFill>
+                  <a:prstClr val="black"/>
+                </a:solidFill>
+                <a:effectLst/>
+                <a:uLnTx/>
+                <a:uFillTx/>
+                <a:latin typeface="Calibri" panose="020F0502020204030204" pitchFamily="34" charset="0"/>
+                <a:ea typeface="Calibri" panose="020F0502020204030204" pitchFamily="34" charset="0"/>
+                <a:cs typeface="Calibri" panose="020F0502020204030204" pitchFamily="34" charset="0"/>
+              </a:rPr>
+              <a:t>Date :</a:t>
+            </a:r>
+            <a:endParaRPr kumimoji="0" lang="en-US" sz="1800" b="0" i="0" u="none" strike="noStrike" kern="1200" cap="none" spc="0" normalizeH="0" baseline="0" noProof="0" dirty="0">
+              <a:ln>
+                <a:noFill/>
+              </a:ln>
+              <a:solidFill>
+                <a:prstClr val="black"/>
+              </a:solidFill>
+              <a:effectLst/>
+              <a:uLnTx/>
+              <a:uFillTx/>
+              <a:latin typeface="Calibri" panose="020F0502020204030204" pitchFamily="34" charset="0"/>
+              <a:ea typeface="Calibri" panose="020F0502020204030204" pitchFamily="34" charset="0"/>
+              <a:cs typeface="Calibri" panose="020F0502020204030204" pitchFamily="34" charset="0"/>
+            </a:endParaRPr>
+          </a:p>
+        </p:txBody>
+      </p:sp>
+      <p:sp>
+        <p:nvSpPr>
+          <p:cNvPr id="10" name="FormField_TextBox 9">
+            <a:extLst>
+              <a:ext uri="{FF2B5EF4-FFF2-40B4-BE49-F238E27FC236}">
+                <a16:creationId xmlns:a16="http://schemas.microsoft.com/office/drawing/2014/main" id="{197C4A2F-487A-7321-C8AD-A074D599DEE5}"/>
+              </a:ext>
+            </a:extLst>
+          </p:cNvPr>
+          <p:cNvSpPr txBox="1"/>
+          <p:nvPr/>
+        </p:nvSpPr>
+        <p:spPr>
+          <a:xfrm>
+            <a:off x="2553927" y="1371600"/>
+            <a:ext cx="1183337" cy="369332"/>
+          </a:xfrm>
+          <a:prstGeom prst="rect">
+            <a:avLst/>
+          </a:prstGeom>
+          <a:noFill/>
+        </p:spPr>
+        <p:txBody>
+          <a:bodyPr wrap="none" rtlCol="0">
+            <a:spAutoFit/>
+          </a:bodyPr>
+          <a:lstStyle/>
+          <a:p>
+            <a:pPr marL="0" marR="0" lvl="0" indent="0" algn="l" defTabSz="914400" rtl="0" eaLnBrk="1" fontAlgn="auto" latinLnBrk="0" hangingPunct="1">
+              <a:lnSpc>
+                <a:spcPct val="100000"/>
+              </a:lnSpc>
+              <a:spcBef>
+                <a:spcPts val="0"/>
+              </a:spcBef>
+              <a:spcAft>
+                <a:spcPts val="0"/>
+              </a:spcAft>
+              <a:buClrTx/>
+              <a:buSzTx/>
+              <a:buFontTx/>
+              <a:buNone/>
+              <a:tabLst/>
+              <a:defRPr/>
+            </a:pPr>
+            <a:r>
+              <a:rPr kumimoji="0" lang="en-US" sz="1800" b="0" i="0" u="none" strike="noStrike" kern="1200" cap="none" spc="0" normalizeH="0" baseline="0" noProof="0" dirty="0">
+                <a:ln>
+                  <a:noFill/>
+                </a:ln>
+                <a:solidFill>
+                  <a:srgbClr val="000000"/>
+                </a:solidFill>
+                <a:effectLst/>
+                <a:uLnTx/>
+                <a:uFillTx/>
+                <a:latin typeface="Calibri" panose="020F0502020204030204" pitchFamily="34" charset="0"/>
+                <a:ea typeface="Calibri" panose="020F0502020204030204" pitchFamily="34" charset="0"/>
+                <a:cs typeface="Calibri" panose="020F0502020204030204" pitchFamily="34" charset="0"/>
+              </a:rPr>
+              <a:t>2/27/2025</a:t>
+            </a:r>
+            <a:endParaRPr kumimoji="0" lang="en-US" sz="1800" b="0" i="0" u="none" strike="noStrike" kern="1200" cap="none" spc="0" normalizeH="0" baseline="0" noProof="0" dirty="0">
+              <a:ln>
+                <a:noFill/>
+              </a:ln>
+              <a:solidFill>
+                <a:prstClr val="black"/>
+              </a:solidFill>
+              <a:effectLst/>
+              <a:uLnTx/>
+              <a:uFillTx/>
+              <a:latin typeface="Calibri" panose="020F0502020204030204" pitchFamily="34" charset="0"/>
+              <a:ea typeface="Calibri" panose="020F0502020204030204" pitchFamily="34" charset="0"/>
+              <a:cs typeface="Calibri" panose="020F0502020204030204" pitchFamily="34" charset="0"/>
+            </a:endParaRPr>
+          </a:p>
+        </p:txBody>
+      </p:sp>
+      <p:sp>
+        <p:nvSpPr>
+          <p:cNvPr id="11" name="TextBox 10">
+            <a:extLst>
+              <a:ext uri="{FF2B5EF4-FFF2-40B4-BE49-F238E27FC236}">
+                <a16:creationId xmlns:a16="http://schemas.microsoft.com/office/drawing/2014/main" id="{D5554430-6FF4-BB15-4718-7594F7558754}"/>
+              </a:ext>
+            </a:extLst>
+          </p:cNvPr>
+          <p:cNvSpPr txBox="1"/>
+          <p:nvPr/>
+        </p:nvSpPr>
+        <p:spPr>
+          <a:xfrm>
+            <a:off x="548640" y="111684"/>
+            <a:ext cx="4111878" cy="595932"/>
+          </a:xfrm>
+          <a:prstGeom prst="rect">
+            <a:avLst/>
+          </a:prstGeom>
+          <a:noFill/>
+        </p:spPr>
+        <p:txBody>
+          <a:bodyPr wrap="square">
+            <a:spAutoFit/>
+          </a:bodyPr>
+          <a:lstStyle/>
+          <a:p>
+            <a:pPr marL="0" marR="0" lvl="0" indent="0" algn="l" defTabSz="914400" rtl="0" eaLnBrk="1" fontAlgn="auto" latinLnBrk="0" hangingPunct="1">
+              <a:lnSpc>
+                <a:spcPct val="107000"/>
+              </a:lnSpc>
+              <a:spcBef>
+                <a:spcPts val="0"/>
+              </a:spcBef>
+              <a:spcAft>
+                <a:spcPts val="800"/>
+              </a:spcAft>
+              <a:buClrTx/>
+              <a:buSzTx/>
+              <a:buFontTx/>
+              <a:buNone/>
+              <a:tabLst/>
+              <a:defRPr/>
+            </a:pPr>
+            <a:r>
+              <a:rPr kumimoji="0" lang="en-US" sz="3200" b="1" i="0" u="none" strike="noStrike" kern="1200" cap="none" spc="0" normalizeH="0" baseline="0" noProof="0" dirty="0">
+                <a:ln>
+                  <a:noFill/>
+                </a:ln>
+                <a:solidFill>
+                  <a:prstClr val="black"/>
+                </a:solidFill>
+                <a:effectLst/>
+                <a:uLnTx/>
+                <a:uFillTx/>
+                <a:latin typeface="Calibri" panose="020F0502020204030204" pitchFamily="34" charset="0"/>
+                <a:ea typeface="Calibri" panose="020F0502020204030204" pitchFamily="34" charset="0"/>
+                <a:cs typeface="Calibri" panose="020F0502020204030204" pitchFamily="34" charset="0"/>
+              </a:rPr>
+              <a:t>Project Status Report</a:t>
+            </a:r>
+            <a:endParaRPr kumimoji="0" lang="en-US" sz="1800" b="1" i="0" u="none" strike="noStrike" kern="1200" cap="none" spc="0" normalizeH="0" baseline="0" noProof="0" dirty="0">
+              <a:ln>
+                <a:noFill/>
+              </a:ln>
+              <a:solidFill>
+                <a:prstClr val="black"/>
+              </a:solidFill>
+              <a:effectLst/>
+              <a:uLnTx/>
+              <a:uFillTx/>
+              <a:latin typeface="Calibri" panose="020F0502020204030204" pitchFamily="34" charset="0"/>
+              <a:ea typeface="Calibri" panose="020F0502020204030204" pitchFamily="34" charset="0"/>
+              <a:cs typeface="Calibri" panose="020F0502020204030204" pitchFamily="34" charset="0"/>
+            </a:endParaRPr>
+          </a:p>
+        </p:txBody>
+      </p:sp>
+      <p:sp>
+        <p:nvSpPr>
+          <p:cNvPr id="12" name="TextBox 11">
+            <a:extLst>
+              <a:ext uri="{FF2B5EF4-FFF2-40B4-BE49-F238E27FC236}">
+                <a16:creationId xmlns:a16="http://schemas.microsoft.com/office/drawing/2014/main" id="{7A20EDBF-C07E-47F1-E82D-201E68C10164}"/>
+              </a:ext>
+            </a:extLst>
+          </p:cNvPr>
+          <p:cNvSpPr txBox="1"/>
+          <p:nvPr/>
+        </p:nvSpPr>
+        <p:spPr>
+          <a:xfrm>
+            <a:off x="548640" y="950976"/>
+            <a:ext cx="2369709" cy="369332"/>
+          </a:xfrm>
+          <a:prstGeom prst="rect">
+            <a:avLst/>
+          </a:prstGeom>
+          <a:noFill/>
+        </p:spPr>
+        <p:txBody>
+          <a:bodyPr wrap="square">
+            <a:spAutoFit/>
+          </a:bodyPr>
+          <a:lstStyle/>
+          <a:p>
+            <a:pPr marL="0" marR="0" lvl="0" indent="0" algn="l" defTabSz="914400" rtl="0" eaLnBrk="1" fontAlgn="auto" latinLnBrk="0" hangingPunct="1">
+              <a:lnSpc>
+                <a:spcPct val="100000"/>
+              </a:lnSpc>
+              <a:spcBef>
+                <a:spcPts val="0"/>
+              </a:spcBef>
+              <a:spcAft>
+                <a:spcPts val="0"/>
+              </a:spcAft>
+              <a:buClrTx/>
+              <a:buSzTx/>
+              <a:buFontTx/>
+              <a:buNone/>
+              <a:tabLst/>
+              <a:defRPr/>
+            </a:pPr>
+            <a:r>
+              <a:rPr kumimoji="0" lang="en-US" sz="1800" b="1" i="0" u="none" strike="noStrike" kern="1200" cap="none" spc="0" normalizeH="0" baseline="0" noProof="0" dirty="0">
+                <a:ln>
+                  <a:noFill/>
+                </a:ln>
+                <a:solidFill>
+                  <a:prstClr val="black"/>
+                </a:solidFill>
+                <a:effectLst/>
+                <a:uLnTx/>
+                <a:uFillTx/>
+                <a:latin typeface="Calibri" panose="020F0502020204030204" pitchFamily="34" charset="0"/>
+                <a:ea typeface="Calibri" panose="020F0502020204030204" pitchFamily="34" charset="0"/>
+                <a:cs typeface="Calibri" panose="020F0502020204030204" pitchFamily="34" charset="0"/>
+              </a:rPr>
+              <a:t>Status :</a:t>
+            </a:r>
+          </a:p>
+        </p:txBody>
+      </p:sp>
+      <p:sp>
+        <p:nvSpPr>
+          <p:cNvPr id="13" name="FormField_TextBox 12">
+            <a:extLst>
+              <a:ext uri="{FF2B5EF4-FFF2-40B4-BE49-F238E27FC236}">
+                <a16:creationId xmlns:a16="http://schemas.microsoft.com/office/drawing/2014/main" id="{6C84F9BC-5BE8-053A-6EC1-27B0E5E208E8}"/>
+              </a:ext>
+            </a:extLst>
+          </p:cNvPr>
+          <p:cNvSpPr txBox="1"/>
+          <p:nvPr/>
+        </p:nvSpPr>
+        <p:spPr>
+          <a:xfrm>
+            <a:off x="2553927" y="950976"/>
+            <a:ext cx="1232710" cy="369332"/>
+          </a:xfrm>
+          <a:prstGeom prst="rect">
+            <a:avLst/>
+          </a:prstGeom>
+          <a:noFill/>
+        </p:spPr>
+        <p:txBody>
+          <a:bodyPr wrap="none" rtlCol="0">
+            <a:spAutoFit/>
+          </a:bodyPr>
+          <a:lstStyle/>
+          <a:p>
+            <a:pPr marL="0" marR="0" lvl="0" indent="0" algn="l" defTabSz="914400" rtl="0" eaLnBrk="1" fontAlgn="auto" latinLnBrk="0" hangingPunct="1">
+              <a:lnSpc>
+                <a:spcPct val="100000"/>
+              </a:lnSpc>
+              <a:spcBef>
+                <a:spcPts val="0"/>
+              </a:spcBef>
+              <a:spcAft>
+                <a:spcPts val="0"/>
+              </a:spcAft>
+              <a:buClrTx/>
+              <a:buSzTx/>
+              <a:buFontTx/>
+              <a:buNone/>
+              <a:tabLst/>
+              <a:defRPr/>
+            </a:pPr>
+            <a:r>
+              <a:rPr kumimoji="0" lang="en-US" sz="1800" b="0" i="0" u="none" strike="noStrike" kern="1200" cap="none" spc="0" normalizeH="0" baseline="0" noProof="0" dirty="0">
+                <a:ln>
+                  <a:noFill/>
+                </a:ln>
+                <a:solidFill>
+                  <a:prstClr val="black"/>
+                </a:solidFill>
+                <a:effectLst/>
+                <a:uLnTx/>
+                <a:uFillTx/>
+                <a:latin typeface="Calibri" panose="020F0502020204030204" pitchFamily="34" charset="0"/>
+                <a:ea typeface="Calibri" panose="020F0502020204030204" pitchFamily="34" charset="0"/>
+                <a:cs typeface="Calibri" panose="020F0502020204030204" pitchFamily="34" charset="0"/>
+              </a:rPr>
+              <a:t>In-Progress</a:t>
+            </a:r>
+          </a:p>
+        </p:txBody>
+      </p:sp>
+      <p:sp>
+        <p:nvSpPr>
+          <p:cNvPr id="14" name="TextBox 13">
+            <a:extLst>
+              <a:ext uri="{FF2B5EF4-FFF2-40B4-BE49-F238E27FC236}">
+                <a16:creationId xmlns:a16="http://schemas.microsoft.com/office/drawing/2014/main" id="{0E445A13-0B30-07C1-858A-9145405B58A4}"/>
+              </a:ext>
+            </a:extLst>
+          </p:cNvPr>
+          <p:cNvSpPr txBox="1"/>
+          <p:nvPr/>
+        </p:nvSpPr>
+        <p:spPr>
+          <a:xfrm>
+            <a:off x="548640" y="1792224"/>
+            <a:ext cx="2007782" cy="377860"/>
+          </a:xfrm>
+          <a:prstGeom prst="rect">
+            <a:avLst/>
+          </a:prstGeom>
+          <a:noFill/>
+        </p:spPr>
+        <p:txBody>
+          <a:bodyPr wrap="square">
+            <a:spAutoFit/>
+          </a:bodyPr>
+          <a:lstStyle/>
+          <a:p>
+            <a:pPr marL="0" marR="0" lvl="0" indent="0" algn="l" defTabSz="914400" rtl="0" eaLnBrk="1" fontAlgn="auto" latinLnBrk="0" hangingPunct="1">
+              <a:lnSpc>
+                <a:spcPct val="107000"/>
+              </a:lnSpc>
+              <a:spcBef>
+                <a:spcPts val="0"/>
+              </a:spcBef>
+              <a:spcAft>
+                <a:spcPts val="2400"/>
+              </a:spcAft>
+              <a:buClrTx/>
+              <a:buSzTx/>
+              <a:buFontTx/>
+              <a:buNone/>
+              <a:tabLst/>
+              <a:defRPr/>
+            </a:pPr>
+            <a:r>
+              <a:rPr kumimoji="0" lang="en-US" sz="1800" b="1" i="0" u="none" strike="noStrike" kern="1200" cap="none" spc="0" normalizeH="0" baseline="0" noProof="0" dirty="0">
+                <a:ln>
+                  <a:noFill/>
+                </a:ln>
+                <a:solidFill>
+                  <a:prstClr val="black"/>
+                </a:solidFill>
+                <a:effectLst/>
+                <a:uLnTx/>
+                <a:uFillTx/>
+                <a:latin typeface="Calibri" panose="020F0502020204030204" pitchFamily="34" charset="0"/>
+                <a:ea typeface="Calibri" panose="020F0502020204030204" pitchFamily="34" charset="0"/>
+                <a:cs typeface="Calibri" panose="020F0502020204030204" pitchFamily="34" charset="0"/>
+              </a:rPr>
+              <a:t>Project Name : </a:t>
+            </a:r>
+            <a:endParaRPr kumimoji="0" lang="en-US" sz="1600" b="1" i="0" u="none" strike="noStrike" kern="1200" cap="none" spc="0" normalizeH="0" baseline="0" noProof="0" dirty="0">
+              <a:ln>
+                <a:noFill/>
+              </a:ln>
+              <a:solidFill>
+                <a:prstClr val="black"/>
+              </a:solidFill>
+              <a:effectLst/>
+              <a:uLnTx/>
+              <a:uFillTx/>
+              <a:latin typeface="Calibri" panose="020F0502020204030204" pitchFamily="34" charset="0"/>
+              <a:ea typeface="Calibri" panose="020F0502020204030204" pitchFamily="34" charset="0"/>
+              <a:cs typeface="Calibri" panose="020F0502020204030204" pitchFamily="34" charset="0"/>
+            </a:endParaRPr>
+          </a:p>
+        </p:txBody>
+      </p:sp>
+      <p:sp>
+        <p:nvSpPr>
+          <p:cNvPr id="15" name="FormField_TextBox 14">
+            <a:extLst>
+              <a:ext uri="{FF2B5EF4-FFF2-40B4-BE49-F238E27FC236}">
+                <a16:creationId xmlns:a16="http://schemas.microsoft.com/office/drawing/2014/main" id="{B7999298-A9AB-889F-264D-43DC5A1437EC}"/>
+              </a:ext>
+            </a:extLst>
+          </p:cNvPr>
+          <p:cNvSpPr txBox="1"/>
+          <p:nvPr/>
+        </p:nvSpPr>
+        <p:spPr>
+          <a:xfrm>
+            <a:off x="2553927" y="1792224"/>
+            <a:ext cx="3434466" cy="375552"/>
+          </a:xfrm>
+          <a:prstGeom prst="rect">
+            <a:avLst/>
+          </a:prstGeom>
+          <a:noFill/>
+        </p:spPr>
+        <p:txBody>
+          <a:bodyPr wrap="none" rtlCol="0">
+            <a:spAutoFit/>
+          </a:bodyPr>
+          <a:lstStyle/>
+          <a:p>
+            <a:pPr marL="0" marR="0" lvl="0" indent="0" algn="l" defTabSz="914400" rtl="0" eaLnBrk="1" fontAlgn="auto" latinLnBrk="0" hangingPunct="1">
+              <a:lnSpc>
+                <a:spcPct val="107000"/>
+              </a:lnSpc>
+              <a:spcBef>
+                <a:spcPts val="0"/>
+              </a:spcBef>
+              <a:spcAft>
+                <a:spcPts val="2400"/>
+              </a:spcAft>
+              <a:buClrTx/>
+              <a:buSzTx/>
+              <a:buFontTx/>
+              <a:buNone/>
+              <a:tabLst/>
+              <a:defRPr/>
+            </a:pPr>
+            <a:r>
+              <a:rPr kumimoji="0" lang="en-US" sz="1800" b="0" i="0" u="none" strike="noStrike" kern="1200" cap="none" spc="0" normalizeH="0" baseline="0" noProof="0" dirty="0">
+                <a:ln>
+                  <a:noFill/>
+                </a:ln>
+                <a:solidFill>
+                  <a:prstClr val="black"/>
+                </a:solidFill>
+                <a:effectLst/>
+                <a:uLnTx/>
+                <a:uFillTx/>
+                <a:latin typeface="Calibri" panose="020F0502020204030204" pitchFamily="34" charset="0"/>
+                <a:ea typeface="Calibri" panose="020F0502020204030204" pitchFamily="34" charset="0"/>
+                <a:cs typeface="Calibri" panose="020F0502020204030204" pitchFamily="34" charset="0"/>
+              </a:rPr>
+              <a:t>Website for Adventure works cycle</a:t>
+            </a:r>
+            <a:endParaRPr kumimoji="0" lang="en-US" sz="1600" b="0" i="0" u="none" strike="noStrike" kern="1200" cap="none" spc="0" normalizeH="0" baseline="0" noProof="0" dirty="0">
+              <a:ln>
+                <a:noFill/>
+              </a:ln>
+              <a:solidFill>
+                <a:prstClr val="black"/>
+              </a:solidFill>
+              <a:effectLst/>
+              <a:uLnTx/>
+              <a:uFillTx/>
+              <a:latin typeface="Calibri" panose="020F0502020204030204" pitchFamily="34" charset="0"/>
+              <a:ea typeface="Calibri" panose="020F0502020204030204" pitchFamily="34" charset="0"/>
+              <a:cs typeface="Calibri" panose="020F0502020204030204" pitchFamily="34" charset="0"/>
+            </a:endParaRPr>
+          </a:p>
+        </p:txBody>
+      </p:sp>
+      <p:sp>
+        <p:nvSpPr>
+          <p:cNvPr id="16" name="TextBox 15">
+            <a:extLst>
+              <a:ext uri="{FF2B5EF4-FFF2-40B4-BE49-F238E27FC236}">
+                <a16:creationId xmlns:a16="http://schemas.microsoft.com/office/drawing/2014/main" id="{398BC359-62F2-06AC-C4CB-EB9FB44E2181}"/>
+              </a:ext>
+            </a:extLst>
+          </p:cNvPr>
+          <p:cNvSpPr txBox="1"/>
+          <p:nvPr/>
+        </p:nvSpPr>
+        <p:spPr>
+          <a:xfrm>
+            <a:off x="548640" y="2304288"/>
+            <a:ext cx="2459958" cy="377860"/>
+          </a:xfrm>
+          <a:prstGeom prst="rect">
+            <a:avLst/>
+          </a:prstGeom>
+          <a:noFill/>
+        </p:spPr>
+        <p:txBody>
+          <a:bodyPr wrap="square">
+            <a:spAutoFit/>
+          </a:bodyPr>
+          <a:lstStyle/>
+          <a:p>
+            <a:pPr marL="0" marR="0" lvl="0" indent="0" algn="l" defTabSz="914400" rtl="0" eaLnBrk="1" fontAlgn="auto" latinLnBrk="0" hangingPunct="1">
+              <a:lnSpc>
+                <a:spcPct val="107000"/>
+              </a:lnSpc>
+              <a:spcBef>
+                <a:spcPts val="0"/>
+              </a:spcBef>
+              <a:spcAft>
+                <a:spcPts val="2400"/>
+              </a:spcAft>
+              <a:buClrTx/>
+              <a:buSzTx/>
+              <a:buFontTx/>
+              <a:buNone/>
+              <a:tabLst/>
+              <a:defRPr/>
+            </a:pPr>
+            <a:r>
+              <a:rPr kumimoji="0" lang="en-US" sz="1800" b="1" i="0" u="none" strike="noStrike" kern="1200" cap="none" spc="0" normalizeH="0" baseline="0" noProof="0" dirty="0">
+                <a:ln>
+                  <a:noFill/>
+                </a:ln>
+                <a:solidFill>
+                  <a:prstClr val="black"/>
+                </a:solidFill>
+                <a:effectLst/>
+                <a:uLnTx/>
+                <a:uFillTx/>
+                <a:latin typeface="Calibri" panose="020F0502020204030204" pitchFamily="34" charset="0"/>
+                <a:ea typeface="Calibri" panose="020F0502020204030204" pitchFamily="34" charset="0"/>
+                <a:cs typeface="Calibri" panose="020F0502020204030204" pitchFamily="34" charset="0"/>
+              </a:rPr>
+              <a:t>Project Manager :</a:t>
+            </a:r>
+            <a:r>
+              <a:rPr kumimoji="0" lang="en-US" sz="1800" b="0" i="0" u="none" strike="noStrike" kern="1200" cap="none" spc="0" normalizeH="0" baseline="0" noProof="0" dirty="0">
+                <a:ln>
+                  <a:noFill/>
+                </a:ln>
+                <a:solidFill>
+                  <a:prstClr val="black"/>
+                </a:solidFill>
+                <a:effectLst/>
+                <a:uLnTx/>
+                <a:uFillTx/>
+                <a:latin typeface="Calibri" panose="020F0502020204030204" pitchFamily="34" charset="0"/>
+                <a:ea typeface="Calibri" panose="020F0502020204030204" pitchFamily="34" charset="0"/>
+                <a:cs typeface="Calibri" panose="020F0502020204030204" pitchFamily="34" charset="0"/>
+              </a:rPr>
+              <a:t> </a:t>
+            </a:r>
+            <a:endParaRPr kumimoji="0" lang="en-US" sz="1600" b="0" i="0" u="none" strike="noStrike" kern="1200" cap="none" spc="0" normalizeH="0" baseline="0" noProof="0" dirty="0">
+              <a:ln>
+                <a:noFill/>
+              </a:ln>
+              <a:solidFill>
+                <a:prstClr val="black"/>
+              </a:solidFill>
+              <a:effectLst/>
+              <a:uLnTx/>
+              <a:uFillTx/>
+              <a:latin typeface="Calibri" panose="020F0502020204030204" pitchFamily="34" charset="0"/>
+              <a:ea typeface="Calibri" panose="020F0502020204030204" pitchFamily="34" charset="0"/>
+              <a:cs typeface="Calibri" panose="020F0502020204030204" pitchFamily="34" charset="0"/>
+            </a:endParaRPr>
+          </a:p>
+        </p:txBody>
+      </p:sp>
+      <p:sp>
+        <p:nvSpPr>
+          <p:cNvPr id="17" name="FormField_TextBox 16">
+            <a:extLst>
+              <a:ext uri="{FF2B5EF4-FFF2-40B4-BE49-F238E27FC236}">
+                <a16:creationId xmlns:a16="http://schemas.microsoft.com/office/drawing/2014/main" id="{A17898EB-B710-4263-979C-BAC979F02489}"/>
+              </a:ext>
+            </a:extLst>
+          </p:cNvPr>
+          <p:cNvSpPr txBox="1"/>
+          <p:nvPr/>
+        </p:nvSpPr>
+        <p:spPr>
+          <a:xfrm>
+            <a:off x="2553927" y="2304288"/>
+            <a:ext cx="1522020" cy="375552"/>
+          </a:xfrm>
+          <a:prstGeom prst="rect">
+            <a:avLst/>
+          </a:prstGeom>
+          <a:noFill/>
+        </p:spPr>
+        <p:txBody>
+          <a:bodyPr wrap="none" rtlCol="0">
+            <a:spAutoFit/>
+          </a:bodyPr>
+          <a:lstStyle/>
+          <a:p>
+            <a:pPr marL="0" marR="0" lvl="0" indent="0" algn="l" defTabSz="914400" rtl="0" eaLnBrk="1" fontAlgn="auto" latinLnBrk="0" hangingPunct="1">
+              <a:lnSpc>
+                <a:spcPct val="107000"/>
+              </a:lnSpc>
+              <a:spcBef>
+                <a:spcPts val="0"/>
+              </a:spcBef>
+              <a:spcAft>
+                <a:spcPts val="2400"/>
+              </a:spcAft>
+              <a:buClrTx/>
+              <a:buSzTx/>
+              <a:buFontTx/>
+              <a:buNone/>
+              <a:tabLst/>
+              <a:defRPr/>
+            </a:pPr>
+            <a:r>
+              <a:rPr kumimoji="0" lang="en-US" sz="1800" b="0" i="0" u="none" strike="noStrike" kern="1200" cap="none" spc="0" normalizeH="0" baseline="0" noProof="0" dirty="0">
+                <a:ln>
+                  <a:noFill/>
+                </a:ln>
+                <a:solidFill>
+                  <a:prstClr val="black"/>
+                </a:solidFill>
+                <a:effectLst/>
+                <a:uLnTx/>
+                <a:uFillTx/>
+                <a:latin typeface="Calibri" panose="020F0502020204030204" pitchFamily="34" charset="0"/>
+                <a:ea typeface="Calibri" panose="020F0502020204030204" pitchFamily="34" charset="0"/>
+                <a:cs typeface="Calibri" panose="020F0502020204030204" pitchFamily="34" charset="0"/>
+              </a:rPr>
+              <a:t>Nancy </a:t>
+            </a:r>
+            <a:r>
+              <a:rPr kumimoji="0" lang="en-US" sz="1800" b="0" i="0" u="none" strike="noStrike" kern="1200" cap="none" spc="0" normalizeH="0" baseline="0" noProof="0" dirty="0" err="1">
+                <a:ln>
+                  <a:noFill/>
+                </a:ln>
+                <a:solidFill>
+                  <a:prstClr val="black"/>
+                </a:solidFill>
+                <a:effectLst/>
+                <a:uLnTx/>
+                <a:uFillTx/>
+                <a:latin typeface="Calibri" panose="020F0502020204030204" pitchFamily="34" charset="0"/>
+                <a:ea typeface="Calibri" panose="020F0502020204030204" pitchFamily="34" charset="0"/>
+                <a:cs typeface="Calibri" panose="020F0502020204030204" pitchFamily="34" charset="0"/>
+              </a:rPr>
+              <a:t>Davolio</a:t>
+            </a:r>
+            <a:endParaRPr kumimoji="0" lang="en-US" sz="1600" b="0" i="0" u="none" strike="noStrike" kern="1200" cap="none" spc="0" normalizeH="0" baseline="0" noProof="0" dirty="0">
+              <a:ln>
+                <a:noFill/>
+              </a:ln>
+              <a:solidFill>
+                <a:prstClr val="black"/>
+              </a:solidFill>
+              <a:effectLst/>
+              <a:uLnTx/>
+              <a:uFillTx/>
+              <a:latin typeface="Calibri" panose="020F0502020204030204" pitchFamily="34" charset="0"/>
+              <a:ea typeface="Calibri" panose="020F0502020204030204" pitchFamily="34" charset="0"/>
+              <a:cs typeface="Calibri" panose="020F0502020204030204" pitchFamily="34" charset="0"/>
+            </a:endParaRPr>
+          </a:p>
+        </p:txBody>
+      </p:sp>
+      <p:sp>
+        <p:nvSpPr>
+          <p:cNvPr id="18" name="TextBox 17">
+            <a:extLst>
+              <a:ext uri="{FF2B5EF4-FFF2-40B4-BE49-F238E27FC236}">
+                <a16:creationId xmlns:a16="http://schemas.microsoft.com/office/drawing/2014/main" id="{D136B717-11D3-4971-B044-FBCF4FCCE792}"/>
+              </a:ext>
+            </a:extLst>
+          </p:cNvPr>
+          <p:cNvSpPr txBox="1"/>
+          <p:nvPr/>
+        </p:nvSpPr>
+        <p:spPr>
+          <a:xfrm>
+            <a:off x="7269480" y="950976"/>
+            <a:ext cx="1529310" cy="377860"/>
+          </a:xfrm>
+          <a:prstGeom prst="rect">
+            <a:avLst/>
+          </a:prstGeom>
+          <a:noFill/>
+        </p:spPr>
+        <p:txBody>
+          <a:bodyPr wrap="square">
+            <a:spAutoFit/>
+          </a:bodyPr>
+          <a:lstStyle/>
+          <a:p>
+            <a:pPr marL="0" marR="0" lvl="0" indent="0" algn="l" defTabSz="914400" rtl="0" eaLnBrk="1" fontAlgn="auto" latinLnBrk="0" hangingPunct="1">
+              <a:lnSpc>
+                <a:spcPct val="107000"/>
+              </a:lnSpc>
+              <a:spcBef>
+                <a:spcPts val="0"/>
+              </a:spcBef>
+              <a:spcAft>
+                <a:spcPts val="2400"/>
+              </a:spcAft>
+              <a:buClrTx/>
+              <a:buSzTx/>
+              <a:buFontTx/>
+              <a:buNone/>
+              <a:tabLst/>
+              <a:defRPr/>
+            </a:pPr>
+            <a:r>
+              <a:rPr kumimoji="0" lang="en-US" sz="1800" b="1" i="0" u="none" strike="noStrike" kern="1200" cap="none" spc="0" normalizeH="0" baseline="0" noProof="0" dirty="0">
+                <a:ln>
+                  <a:noFill/>
+                </a:ln>
+                <a:solidFill>
+                  <a:prstClr val="black"/>
+                </a:solidFill>
+                <a:effectLst/>
+                <a:uLnTx/>
+                <a:uFillTx/>
+                <a:latin typeface="Calibri" panose="020F0502020204030204" pitchFamily="34" charset="0"/>
+                <a:ea typeface="Calibri" panose="020F0502020204030204" pitchFamily="34" charset="0"/>
+                <a:cs typeface="Calibri" panose="020F0502020204030204" pitchFamily="34" charset="0"/>
+              </a:rPr>
+              <a:t>Team size :</a:t>
+            </a:r>
+            <a:endParaRPr kumimoji="0" lang="en-US" sz="1600" b="1" i="0" u="none" strike="noStrike" kern="1200" cap="none" spc="0" normalizeH="0" baseline="0" noProof="0" dirty="0">
+              <a:ln>
+                <a:noFill/>
+              </a:ln>
+              <a:solidFill>
+                <a:prstClr val="black"/>
+              </a:solidFill>
+              <a:effectLst/>
+              <a:uLnTx/>
+              <a:uFillTx/>
+              <a:latin typeface="Calibri" panose="020F0502020204030204" pitchFamily="34" charset="0"/>
+              <a:ea typeface="Calibri" panose="020F0502020204030204" pitchFamily="34" charset="0"/>
+              <a:cs typeface="Calibri" panose="020F0502020204030204" pitchFamily="34" charset="0"/>
+            </a:endParaRPr>
+          </a:p>
+        </p:txBody>
+      </p:sp>
+      <p:sp>
+        <p:nvSpPr>
+          <p:cNvPr id="19" name="FormField_TextBox 18">
+            <a:extLst>
+              <a:ext uri="{FF2B5EF4-FFF2-40B4-BE49-F238E27FC236}">
+                <a16:creationId xmlns:a16="http://schemas.microsoft.com/office/drawing/2014/main" id="{5B21B834-966A-2688-BCAF-326339EBDE33}"/>
+              </a:ext>
+            </a:extLst>
+          </p:cNvPr>
+          <p:cNvSpPr txBox="1"/>
+          <p:nvPr/>
+        </p:nvSpPr>
+        <p:spPr>
+          <a:xfrm>
+            <a:off x="8823960" y="950976"/>
+            <a:ext cx="431528" cy="377860"/>
+          </a:xfrm>
+          <a:prstGeom prst="rect">
+            <a:avLst/>
+          </a:prstGeom>
+          <a:noFill/>
+        </p:spPr>
+        <p:txBody>
+          <a:bodyPr wrap="none" rtlCol="0">
+            <a:spAutoFit/>
+          </a:bodyPr>
+          <a:lstStyle/>
+          <a:p>
+            <a:pPr marL="0" marR="0" lvl="0" indent="0" algn="l" defTabSz="914400" rtl="0" eaLnBrk="1" fontAlgn="auto" latinLnBrk="0" hangingPunct="1">
+              <a:lnSpc>
+                <a:spcPct val="107000"/>
+              </a:lnSpc>
+              <a:spcBef>
+                <a:spcPts val="0"/>
+              </a:spcBef>
+              <a:spcAft>
+                <a:spcPts val="2400"/>
+              </a:spcAft>
+              <a:buClrTx/>
+              <a:buSzTx/>
+              <a:buFontTx/>
+              <a:buNone/>
+              <a:tabLst/>
+              <a:defRPr/>
+            </a:pPr>
+            <a:r>
+              <a:rPr kumimoji="0" lang="en-US" sz="1800" b="0" i="0" u="none" strike="noStrike" kern="1200" cap="none" spc="0" normalizeH="0" baseline="0" noProof="0" dirty="0">
+                <a:ln>
+                  <a:noFill/>
+                </a:ln>
+                <a:solidFill>
+                  <a:prstClr val="black"/>
+                </a:solidFill>
+                <a:effectLst/>
+                <a:uLnTx/>
+                <a:uFillTx/>
+                <a:latin typeface="Calibri" panose="020F0502020204030204" pitchFamily="34" charset="0"/>
+                <a:ea typeface="Calibri" panose="020F0502020204030204" pitchFamily="34" charset="0"/>
+                <a:cs typeface="Calibri" panose="020F0502020204030204" pitchFamily="34" charset="0"/>
+              </a:rPr>
+              <a:t>10</a:t>
+            </a:r>
+            <a:endParaRPr kumimoji="0" lang="en-US" sz="1600" b="0" i="0" u="none" strike="noStrike" kern="1200" cap="none" spc="0" normalizeH="0" baseline="0" noProof="0" dirty="0">
+              <a:ln>
+                <a:noFill/>
+              </a:ln>
+              <a:solidFill>
+                <a:prstClr val="black"/>
+              </a:solidFill>
+              <a:effectLst/>
+              <a:uLnTx/>
+              <a:uFillTx/>
+              <a:latin typeface="Calibri" panose="020F0502020204030204" pitchFamily="34" charset="0"/>
+              <a:ea typeface="Calibri" panose="020F0502020204030204" pitchFamily="34" charset="0"/>
+              <a:cs typeface="Calibri" panose="020F0502020204030204" pitchFamily="34" charset="0"/>
+            </a:endParaRPr>
+          </a:p>
+        </p:txBody>
+      </p:sp>
+      <p:sp>
+        <p:nvSpPr>
+          <p:cNvPr id="20" name="TextBox 19">
+            <a:extLst>
+              <a:ext uri="{FF2B5EF4-FFF2-40B4-BE49-F238E27FC236}">
+                <a16:creationId xmlns:a16="http://schemas.microsoft.com/office/drawing/2014/main" id="{405656A6-995A-F969-B802-85CA147C7C38}"/>
+              </a:ext>
+            </a:extLst>
+          </p:cNvPr>
+          <p:cNvSpPr txBox="1"/>
+          <p:nvPr/>
+        </p:nvSpPr>
+        <p:spPr>
+          <a:xfrm>
+            <a:off x="7269480" y="1371600"/>
+            <a:ext cx="1529310" cy="377860"/>
+          </a:xfrm>
+          <a:prstGeom prst="rect">
+            <a:avLst/>
+          </a:prstGeom>
+          <a:noFill/>
+        </p:spPr>
+        <p:txBody>
+          <a:bodyPr wrap="square">
+            <a:spAutoFit/>
+          </a:bodyPr>
+          <a:lstStyle/>
+          <a:p>
+            <a:pPr marL="0" marR="0" lvl="0" indent="0" algn="l" defTabSz="914400" rtl="0" eaLnBrk="1" fontAlgn="auto" latinLnBrk="0" hangingPunct="1">
+              <a:lnSpc>
+                <a:spcPct val="107000"/>
+              </a:lnSpc>
+              <a:spcBef>
+                <a:spcPts val="0"/>
+              </a:spcBef>
+              <a:spcAft>
+                <a:spcPts val="2400"/>
+              </a:spcAft>
+              <a:buClrTx/>
+              <a:buSzTx/>
+              <a:buFontTx/>
+              <a:buNone/>
+              <a:tabLst/>
+              <a:defRPr/>
+            </a:pPr>
+            <a:r>
+              <a:rPr kumimoji="0" lang="en-US" sz="1800" b="1" i="0" u="none" strike="noStrike" kern="1200" cap="none" spc="0" normalizeH="0" baseline="0" noProof="0" dirty="0">
+                <a:ln>
+                  <a:noFill/>
+                </a:ln>
+                <a:solidFill>
+                  <a:prstClr val="black"/>
+                </a:solidFill>
+                <a:effectLst/>
+                <a:uLnTx/>
+                <a:uFillTx/>
+                <a:latin typeface="Calibri" panose="020F0502020204030204" pitchFamily="34" charset="0"/>
+                <a:ea typeface="Calibri" panose="020F0502020204030204" pitchFamily="34" charset="0"/>
+                <a:cs typeface="Calibri" panose="020F0502020204030204" pitchFamily="34" charset="0"/>
+              </a:rPr>
+              <a:t>Platform : </a:t>
+            </a:r>
+            <a:endParaRPr kumimoji="0" lang="en-US" sz="1600" b="1" i="0" u="none" strike="noStrike" kern="1200" cap="none" spc="0" normalizeH="0" baseline="0" noProof="0" dirty="0">
+              <a:ln>
+                <a:noFill/>
+              </a:ln>
+              <a:solidFill>
+                <a:prstClr val="black"/>
+              </a:solidFill>
+              <a:effectLst/>
+              <a:uLnTx/>
+              <a:uFillTx/>
+              <a:latin typeface="Calibri" panose="020F0502020204030204" pitchFamily="34" charset="0"/>
+              <a:ea typeface="Calibri" panose="020F0502020204030204" pitchFamily="34" charset="0"/>
+              <a:cs typeface="Calibri" panose="020F0502020204030204" pitchFamily="34" charset="0"/>
+            </a:endParaRPr>
+          </a:p>
+        </p:txBody>
+      </p:sp>
+      <p:sp>
+        <p:nvSpPr>
+          <p:cNvPr id="21" name="FormField_TextBox 20">
+            <a:extLst>
+              <a:ext uri="{FF2B5EF4-FFF2-40B4-BE49-F238E27FC236}">
+                <a16:creationId xmlns:a16="http://schemas.microsoft.com/office/drawing/2014/main" id="{62853D8A-7E05-98FC-3526-19891F888550}"/>
+              </a:ext>
+            </a:extLst>
+          </p:cNvPr>
+          <p:cNvSpPr txBox="1"/>
+          <p:nvPr/>
+        </p:nvSpPr>
+        <p:spPr>
+          <a:xfrm>
+            <a:off x="8823960" y="1371600"/>
+            <a:ext cx="943913" cy="375552"/>
+          </a:xfrm>
+          <a:prstGeom prst="rect">
+            <a:avLst/>
+          </a:prstGeom>
+          <a:noFill/>
+        </p:spPr>
+        <p:txBody>
+          <a:bodyPr wrap="none" rtlCol="0">
+            <a:spAutoFit/>
+          </a:bodyPr>
+          <a:lstStyle/>
+          <a:p>
+            <a:pPr marL="0" marR="0" lvl="0" indent="0" algn="l" defTabSz="914400" rtl="0" eaLnBrk="1" fontAlgn="auto" latinLnBrk="0" hangingPunct="1">
+              <a:lnSpc>
+                <a:spcPct val="107000"/>
+              </a:lnSpc>
+              <a:spcBef>
+                <a:spcPts val="0"/>
+              </a:spcBef>
+              <a:spcAft>
+                <a:spcPts val="2400"/>
+              </a:spcAft>
+              <a:buClrTx/>
+              <a:buSzTx/>
+              <a:buFontTx/>
+              <a:buNone/>
+              <a:tabLst/>
+              <a:defRPr/>
+            </a:pPr>
+            <a:r>
+              <a:rPr kumimoji="0" lang="en-US" sz="1800" b="0" i="0" u="none" strike="noStrike" kern="1200" cap="none" spc="0" normalizeH="0" baseline="0" noProof="0" dirty="0">
+                <a:ln>
+                  <a:noFill/>
+                </a:ln>
+                <a:solidFill>
+                  <a:prstClr val="black"/>
+                </a:solidFill>
+                <a:effectLst/>
+                <a:uLnTx/>
+                <a:uFillTx/>
+                <a:latin typeface="Calibri" panose="020F0502020204030204" pitchFamily="34" charset="0"/>
+                <a:ea typeface="Calibri" panose="020F0502020204030204" pitchFamily="34" charset="0"/>
+                <a:cs typeface="Calibri" panose="020F0502020204030204" pitchFamily="34" charset="0"/>
+              </a:rPr>
+              <a:t>ASP.NET</a:t>
+            </a:r>
+            <a:endParaRPr kumimoji="0" lang="en-US" sz="1600" b="0" i="0" u="none" strike="noStrike" kern="1200" cap="none" spc="0" normalizeH="0" baseline="0" noProof="0" dirty="0">
+              <a:ln>
+                <a:noFill/>
+              </a:ln>
+              <a:solidFill>
+                <a:prstClr val="black"/>
+              </a:solidFill>
+              <a:effectLst/>
+              <a:uLnTx/>
+              <a:uFillTx/>
+              <a:latin typeface="Calibri" panose="020F0502020204030204" pitchFamily="34" charset="0"/>
+              <a:ea typeface="Calibri" panose="020F0502020204030204" pitchFamily="34" charset="0"/>
+              <a:cs typeface="Calibri" panose="020F0502020204030204" pitchFamily="34" charset="0"/>
+            </a:endParaRPr>
+          </a:p>
+        </p:txBody>
+      </p:sp>
+      <p:sp>
+        <p:nvSpPr>
+          <p:cNvPr id="22" name="TextBox 21">
+            <a:extLst>
+              <a:ext uri="{FF2B5EF4-FFF2-40B4-BE49-F238E27FC236}">
+                <a16:creationId xmlns:a16="http://schemas.microsoft.com/office/drawing/2014/main" id="{C164C8A2-E2E5-A20A-E797-867D92DF49F3}"/>
+              </a:ext>
+            </a:extLst>
+          </p:cNvPr>
+          <p:cNvSpPr txBox="1"/>
+          <p:nvPr/>
+        </p:nvSpPr>
+        <p:spPr>
+          <a:xfrm>
+            <a:off x="7269480" y="1792224"/>
+            <a:ext cx="1529310" cy="369332"/>
+          </a:xfrm>
+          <a:prstGeom prst="rect">
+            <a:avLst/>
+          </a:prstGeom>
+          <a:noFill/>
+        </p:spPr>
+        <p:txBody>
+          <a:bodyPr wrap="square">
+            <a:spAutoFit/>
+          </a:bodyPr>
+          <a:lstStyle/>
+          <a:p>
+            <a:pPr marL="0" marR="0" lvl="0" indent="0" algn="l" defTabSz="914400" rtl="0" eaLnBrk="1" fontAlgn="auto" latinLnBrk="0" hangingPunct="1">
+              <a:lnSpc>
+                <a:spcPct val="100000"/>
+              </a:lnSpc>
+              <a:spcBef>
+                <a:spcPts val="0"/>
+              </a:spcBef>
+              <a:spcAft>
+                <a:spcPts val="0"/>
+              </a:spcAft>
+              <a:buClrTx/>
+              <a:buSzTx/>
+              <a:buFontTx/>
+              <a:buNone/>
+              <a:tabLst/>
+              <a:defRPr/>
+            </a:pPr>
+            <a:r>
+              <a:rPr kumimoji="0" lang="en-US" sz="1800" b="1" i="0" u="none" strike="noStrike" kern="1200" cap="none" spc="0" normalizeH="0" baseline="0" noProof="0" dirty="0">
+                <a:ln>
+                  <a:noFill/>
+                </a:ln>
+                <a:solidFill>
+                  <a:prstClr val="black"/>
+                </a:solidFill>
+                <a:effectLst/>
+                <a:uLnTx/>
+                <a:uFillTx/>
+                <a:latin typeface="Calibri" panose="020F0502020204030204" pitchFamily="34" charset="0"/>
+                <a:ea typeface="Calibri" panose="020F0502020204030204" pitchFamily="34" charset="0"/>
+                <a:cs typeface="Calibri" panose="020F0502020204030204" pitchFamily="34" charset="0"/>
+              </a:rPr>
+              <a:t>Start Date :</a:t>
+            </a:r>
+          </a:p>
+        </p:txBody>
+      </p:sp>
+      <p:sp>
+        <p:nvSpPr>
+          <p:cNvPr id="23" name="FormField_TextBox 22">
+            <a:extLst>
+              <a:ext uri="{FF2B5EF4-FFF2-40B4-BE49-F238E27FC236}">
+                <a16:creationId xmlns:a16="http://schemas.microsoft.com/office/drawing/2014/main" id="{AB939302-6A65-F684-5DDD-E6C2DA5686C4}"/>
+              </a:ext>
+            </a:extLst>
+          </p:cNvPr>
+          <p:cNvSpPr txBox="1"/>
+          <p:nvPr/>
+        </p:nvSpPr>
+        <p:spPr>
+          <a:xfrm>
+            <a:off x="8823960" y="1792224"/>
+            <a:ext cx="1183337" cy="369332"/>
+          </a:xfrm>
+          <a:prstGeom prst="rect">
+            <a:avLst/>
+          </a:prstGeom>
+          <a:noFill/>
+        </p:spPr>
+        <p:txBody>
+          <a:bodyPr wrap="none" rtlCol="0">
+            <a:spAutoFit/>
+          </a:bodyPr>
+          <a:lstStyle/>
+          <a:p>
+            <a:pPr marL="0" marR="0" lvl="0" indent="0" algn="l" defTabSz="914400" rtl="0" eaLnBrk="1" fontAlgn="auto" latinLnBrk="0" hangingPunct="1">
+              <a:lnSpc>
+                <a:spcPct val="100000"/>
+              </a:lnSpc>
+              <a:spcBef>
+                <a:spcPts val="0"/>
+              </a:spcBef>
+              <a:spcAft>
+                <a:spcPts val="0"/>
+              </a:spcAft>
+              <a:buClrTx/>
+              <a:buSzTx/>
+              <a:buFontTx/>
+              <a:buNone/>
+              <a:tabLst/>
+              <a:defRPr/>
+            </a:pPr>
+            <a:r>
+              <a:rPr kumimoji="0" lang="en-US" sz="1800" b="0" i="0" u="none" strike="noStrike" kern="1200" cap="none" spc="0" normalizeH="0" baseline="0" noProof="0" dirty="0">
+                <a:ln>
+                  <a:noFill/>
+                </a:ln>
+                <a:solidFill>
+                  <a:srgbClr val="000000"/>
+                </a:solidFill>
+                <a:effectLst/>
+                <a:uLnTx/>
+                <a:uFillTx/>
+                <a:latin typeface="Calibri" panose="020F0502020204030204" pitchFamily="34" charset="0"/>
+                <a:ea typeface="Calibri" panose="020F0502020204030204" pitchFamily="34" charset="0"/>
+                <a:cs typeface="Calibri" panose="020F0502020204030204" pitchFamily="34" charset="0"/>
+              </a:rPr>
+              <a:t>2/27/2025</a:t>
+            </a:r>
+            <a:endParaRPr kumimoji="0" lang="en-US" sz="1800" b="0" i="0" u="none" strike="noStrike" kern="1200" cap="none" spc="0" normalizeH="0" baseline="0" noProof="0" dirty="0">
+              <a:ln>
+                <a:noFill/>
+              </a:ln>
+              <a:solidFill>
+                <a:prstClr val="black"/>
+              </a:solidFill>
+              <a:effectLst/>
+              <a:uLnTx/>
+              <a:uFillTx/>
+              <a:latin typeface="Calibri" panose="020F0502020204030204" pitchFamily="34" charset="0"/>
+              <a:ea typeface="Calibri" panose="020F0502020204030204" pitchFamily="34" charset="0"/>
+              <a:cs typeface="Calibri" panose="020F0502020204030204" pitchFamily="34" charset="0"/>
+            </a:endParaRPr>
+          </a:p>
+        </p:txBody>
+      </p:sp>
+      <p:sp>
+        <p:nvSpPr>
+          <p:cNvPr id="24" name="TextBox 23">
+            <a:extLst>
+              <a:ext uri="{FF2B5EF4-FFF2-40B4-BE49-F238E27FC236}">
+                <a16:creationId xmlns:a16="http://schemas.microsoft.com/office/drawing/2014/main" id="{E4BB967E-EC6B-64B4-18E4-2F07CD25E606}"/>
+              </a:ext>
+            </a:extLst>
+          </p:cNvPr>
+          <p:cNvSpPr txBox="1"/>
+          <p:nvPr/>
+        </p:nvSpPr>
+        <p:spPr>
+          <a:xfrm>
+            <a:off x="7269480" y="2304288"/>
+            <a:ext cx="1529310" cy="369332"/>
+          </a:xfrm>
+          <a:prstGeom prst="rect">
+            <a:avLst/>
+          </a:prstGeom>
+          <a:noFill/>
+        </p:spPr>
+        <p:txBody>
+          <a:bodyPr wrap="square">
+            <a:spAutoFit/>
+          </a:bodyPr>
+          <a:lstStyle/>
+          <a:p>
+            <a:pPr marL="0" marR="0" lvl="0" indent="0" algn="l" defTabSz="914400" rtl="0" eaLnBrk="1" fontAlgn="auto" latinLnBrk="0" hangingPunct="1">
+              <a:lnSpc>
+                <a:spcPct val="100000"/>
+              </a:lnSpc>
+              <a:spcBef>
+                <a:spcPts val="0"/>
+              </a:spcBef>
+              <a:spcAft>
+                <a:spcPts val="0"/>
+              </a:spcAft>
+              <a:buClrTx/>
+              <a:buSzTx/>
+              <a:buFontTx/>
+              <a:buNone/>
+              <a:tabLst/>
+              <a:defRPr/>
+            </a:pPr>
+            <a:r>
+              <a:rPr kumimoji="0" lang="en-US" sz="1800" b="1" i="0" u="none" strike="noStrike" kern="1200" cap="none" spc="0" normalizeH="0" baseline="0" noProof="0" dirty="0">
+                <a:ln>
+                  <a:noFill/>
+                </a:ln>
+                <a:solidFill>
+                  <a:prstClr val="black"/>
+                </a:solidFill>
+                <a:effectLst/>
+                <a:uLnTx/>
+                <a:uFillTx/>
+                <a:latin typeface="Calibri" panose="020F0502020204030204" pitchFamily="34" charset="0"/>
+                <a:ea typeface="Calibri" panose="020F0502020204030204" pitchFamily="34" charset="0"/>
+                <a:cs typeface="Calibri" panose="020F0502020204030204" pitchFamily="34" charset="0"/>
+              </a:rPr>
+              <a:t>End Date :</a:t>
+            </a:r>
+          </a:p>
+        </p:txBody>
+      </p:sp>
+      <p:sp>
+        <p:nvSpPr>
+          <p:cNvPr id="25" name="FormField_TextBox 24">
+            <a:extLst>
+              <a:ext uri="{FF2B5EF4-FFF2-40B4-BE49-F238E27FC236}">
+                <a16:creationId xmlns:a16="http://schemas.microsoft.com/office/drawing/2014/main" id="{BBAB2B1F-AB52-212E-0AEC-C610A5F335D4}"/>
+              </a:ext>
+            </a:extLst>
+          </p:cNvPr>
+          <p:cNvSpPr txBox="1"/>
+          <p:nvPr/>
+        </p:nvSpPr>
+        <p:spPr>
+          <a:xfrm>
+            <a:off x="8823960" y="2304288"/>
+            <a:ext cx="1183337" cy="369332"/>
+          </a:xfrm>
+          <a:prstGeom prst="rect">
+            <a:avLst/>
+          </a:prstGeom>
+          <a:noFill/>
+        </p:spPr>
+        <p:txBody>
+          <a:bodyPr wrap="none" rtlCol="0">
+            <a:spAutoFit/>
+          </a:bodyPr>
+          <a:lstStyle/>
+          <a:p>
+            <a:pPr marL="0" marR="0" lvl="0" indent="0" algn="l" defTabSz="914400" rtl="0" eaLnBrk="1" fontAlgn="auto" latinLnBrk="0" hangingPunct="1">
+              <a:lnSpc>
+                <a:spcPct val="100000"/>
+              </a:lnSpc>
+              <a:spcBef>
+                <a:spcPts val="0"/>
+              </a:spcBef>
+              <a:spcAft>
+                <a:spcPts val="0"/>
+              </a:spcAft>
+              <a:buClrTx/>
+              <a:buSzTx/>
+              <a:buFontTx/>
+              <a:buNone/>
+              <a:tabLst/>
+              <a:defRPr/>
+            </a:pPr>
+            <a:r>
+              <a:rPr kumimoji="0" lang="en-US" sz="1800" b="0" i="0" u="none" strike="noStrike" kern="1200" cap="none" spc="0" normalizeH="0" baseline="0" noProof="0" dirty="0">
+                <a:ln>
+                  <a:noFill/>
+                </a:ln>
+                <a:solidFill>
+                  <a:srgbClr val="000000"/>
+                </a:solidFill>
+                <a:effectLst/>
+                <a:uLnTx/>
+                <a:uFillTx/>
+                <a:latin typeface="Calibri" panose="020F0502020204030204" pitchFamily="34" charset="0"/>
+                <a:ea typeface="Calibri" panose="020F0502020204030204" pitchFamily="34" charset="0"/>
+                <a:cs typeface="Calibri" panose="020F0502020204030204" pitchFamily="34" charset="0"/>
+              </a:rPr>
+              <a:t>4/20/2025</a:t>
+            </a:r>
+            <a:endParaRPr kumimoji="0" lang="en-US" sz="1800" b="0" i="0" u="none" strike="noStrike" kern="1200" cap="none" spc="0" normalizeH="0" baseline="0" noProof="0" dirty="0">
+              <a:ln>
+                <a:noFill/>
+              </a:ln>
+              <a:solidFill>
+                <a:prstClr val="black"/>
+              </a:solidFill>
+              <a:effectLst/>
+              <a:uLnTx/>
+              <a:uFillTx/>
+              <a:latin typeface="Calibri" panose="020F0502020204030204" pitchFamily="34" charset="0"/>
+              <a:ea typeface="Calibri" panose="020F0502020204030204" pitchFamily="34" charset="0"/>
+              <a:cs typeface="Calibri" panose="020F0502020204030204" pitchFamily="34" charset="0"/>
+            </a:endParaRPr>
+          </a:p>
+        </p:txBody>
+      </p:sp>
+    </p:spTree>
+    <p:extLst>
+      <p:ext uri="{BB962C8B-B14F-4D97-AF65-F5344CB8AC3E}">
+        <p14:creationId xmlns:p14="http://schemas.microsoft.com/office/powerpoint/2010/main" val="3801614698"/>
+      </p:ext>
+    </p:extLst>
+  </p:cSld>
+  <p:clrMapOvr>
+    <a:masterClrMapping/>
+  </p:clrMapOvr>
+</p:sld>
+</file>
+
+<file path=ppt/slides/slide3.xml><?xml version="1.0" encoding="utf-8"?>
+<p:sld xmlns:a="http://schemas.openxmlformats.org/drawingml/2006/main" xmlns:r="http://schemas.openxmlformats.org/officeDocument/2006/relationships" xmlns:p="http://schemas.openxmlformats.org/presentationml/2006/main">
+  <p:cSld>
+    <p:spTree>
+      <p:nvGrpSpPr>
+        <p:cNvPr id="1" name=""/>
+        <p:cNvGrpSpPr/>
+        <p:nvPr/>
+      </p:nvGrpSpPr>
+      <p:grpSpPr>
+        <a:xfrm>
+          <a:off x="0" y="0"/>
+          <a:ext cx="0" cy="0"/>
+          <a:chOff x="0" y="0"/>
+          <a:chExt cx="0" cy="0"/>
+        </a:xfrm>
+      </p:grpSpPr>
+      <p:pic>
+        <p:nvPicPr>
+          <p:cNvPr id="3" name="Picture 2">
+            <a:extLst>
+              <a:ext uri="{FF2B5EF4-FFF2-40B4-BE49-F238E27FC236}">
+                <a16:creationId xmlns:a16="http://schemas.microsoft.com/office/drawing/2014/main" id="{AF8032F8-941F-B645-4104-0D0D62064103}"/>
+              </a:ext>
+            </a:extLst>
+          </p:cNvPr>
+          <p:cNvPicPr>
+            <a:picLocks noChangeAspect="1"/>
+          </p:cNvPicPr>
+          <p:nvPr/>
+        </p:nvPicPr>
+        <p:blipFill>
+          <a:blip r:embed="rId2"/>
+          <a:stretch>
+            <a:fillRect/>
+          </a:stretch>
+        </p:blipFill>
+        <p:spPr>
+          <a:xfrm>
+            <a:off x="881031" y="2171546"/>
+            <a:ext cx="10429938" cy="2734751"/>
+          </a:xfrm>
+          <a:prstGeom prst="rect">
+            <a:avLst/>
+          </a:prstGeom>
+        </p:spPr>
+      </p:pic>
+      <p:sp>
+        <p:nvSpPr>
+          <p:cNvPr id="4" name="TextBox 3">
+            <a:extLst>
+              <a:ext uri="{FF2B5EF4-FFF2-40B4-BE49-F238E27FC236}">
+                <a16:creationId xmlns:a16="http://schemas.microsoft.com/office/drawing/2014/main" id="{DDE85D2D-86B1-164E-8E2B-854A76E013C1}"/>
+              </a:ext>
+            </a:extLst>
+          </p:cNvPr>
+          <p:cNvSpPr txBox="1"/>
+          <p:nvPr/>
+        </p:nvSpPr>
+        <p:spPr>
+          <a:xfrm>
+            <a:off x="881031" y="701619"/>
+            <a:ext cx="7159850" cy="595932"/>
+          </a:xfrm>
+          <a:prstGeom prst="rect">
+            <a:avLst/>
+          </a:prstGeom>
+          <a:noFill/>
+        </p:spPr>
+        <p:txBody>
+          <a:bodyPr wrap="square">
+            <a:spAutoFit/>
+          </a:bodyPr>
+          <a:lstStyle/>
+          <a:p>
+            <a:pPr marL="0" marR="0" lvl="0" indent="0" algn="l" defTabSz="914400" rtl="0" eaLnBrk="1" fontAlgn="auto" latinLnBrk="0" hangingPunct="1">
+              <a:lnSpc>
+                <a:spcPct val="107000"/>
+              </a:lnSpc>
+              <a:spcBef>
+                <a:spcPts val="0"/>
+              </a:spcBef>
+              <a:spcAft>
+                <a:spcPts val="800"/>
+              </a:spcAft>
+              <a:buClrTx/>
+              <a:buSzTx/>
+              <a:buFontTx/>
+              <a:buNone/>
+              <a:tabLst/>
+              <a:defRPr/>
+            </a:pPr>
+            <a:r>
+              <a:rPr kumimoji="0" lang="en-US" sz="3200" b="1" i="0" u="none" strike="noStrike" kern="1200" cap="none" spc="0" normalizeH="0" baseline="0" noProof="0" dirty="0">
+                <a:ln>
+                  <a:noFill/>
+                </a:ln>
+                <a:solidFill>
+                  <a:prstClr val="black"/>
+                </a:solidFill>
+                <a:effectLst/>
+                <a:uLnTx/>
+                <a:uFillTx/>
+                <a:latin typeface="Calibri" panose="020F0502020204030204" pitchFamily="34" charset="0"/>
+                <a:ea typeface="Calibri" panose="020F0502020204030204" pitchFamily="34" charset="0"/>
+                <a:cs typeface="Calibri" panose="020F0502020204030204" pitchFamily="34" charset="0"/>
+              </a:rPr>
+              <a:t>EMF Image of Company Structure</a:t>
+            </a:r>
+            <a:endParaRPr kumimoji="0" lang="en-US" sz="1800" b="1" i="0" u="none" strike="noStrike" kern="1200" cap="none" spc="0" normalizeH="0" baseline="0" noProof="0" dirty="0">
+              <a:ln>
+                <a:noFill/>
+              </a:ln>
+              <a:solidFill>
+                <a:prstClr val="black"/>
+              </a:solidFill>
+              <a:effectLst/>
+              <a:uLnTx/>
+              <a:uFillTx/>
+              <a:latin typeface="Calibri" panose="020F0502020204030204" pitchFamily="34" charset="0"/>
+              <a:ea typeface="Calibri" panose="020F0502020204030204" pitchFamily="34" charset="0"/>
+              <a:cs typeface="Calibri" panose="020F0502020204030204" pitchFamily="34" charset="0"/>
+            </a:endParaRPr>
+          </a:p>
+        </p:txBody>
+      </p:sp>
+    </p:spTree>
+    <p:extLst>
+      <p:ext uri="{BB962C8B-B14F-4D97-AF65-F5344CB8AC3E}">
+        <p14:creationId xmlns:p14="http://schemas.microsoft.com/office/powerpoint/2010/main" val="3506071358"/>
+      </p:ext>
+    </p:extLst>
+  </p:cSld>
+  <p:clrMapOvr>
+    <a:masterClrMapping/>
+  </p:clrMapOvr>
+</p:sld>
+</file>
+
+<file path=ppt/slides/slide4.xml><?xml version="1.0" encoding="utf-8"?>
+<p:sld xmlns:a="http://schemas.openxmlformats.org/drawingml/2006/main" xmlns:r="http://schemas.openxmlformats.org/officeDocument/2006/relationships" xmlns:p="http://schemas.openxmlformats.org/presentationml/2006/main">
+  <p:cSld>
+    <p:spTree>
+      <p:nvGrpSpPr>
+        <p:cNvPr id="1" name=""/>
+        <p:cNvGrpSpPr/>
+        <p:nvPr/>
+      </p:nvGrpSpPr>
+      <p:grpSpPr>
+        <a:xfrm>
+          <a:off x="0" y="0"/>
+          <a:ext cx="0" cy="0"/>
+          <a:chOff x="0" y="0"/>
+          <a:chExt cx="0" cy="0"/>
+        </a:xfrm>
+      </p:grpSpPr>
+      <p:sp>
+        <p:nvSpPr>
+          <p:cNvPr id="10" name="Title 1">
+            <a:extLst>
+              <a:ext uri="{FF2B5EF4-FFF2-40B4-BE49-F238E27FC236}">
+                <a16:creationId xmlns:a16="http://schemas.microsoft.com/office/drawing/2014/main" id="{DAF446A2-4B07-1266-1DE8-BD5AF6C1E126}"/>
+              </a:ext>
+            </a:extLst>
+          </p:cNvPr>
+          <p:cNvSpPr txBox="1">
+            <a:spLocks/>
+          </p:cNvSpPr>
+          <p:nvPr/>
+        </p:nvSpPr>
+        <p:spPr>
+          <a:xfrm>
+            <a:off x="761839" y="871146"/>
+            <a:ext cx="4544762" cy="1401183"/>
+          </a:xfrm>
+          <a:prstGeom prst="rect">
+            <a:avLst/>
+          </a:prstGeom>
+        </p:spPr>
+        <p:txBody>
+          <a:bodyPr vert="horz" lIns="91440" tIns="45720" rIns="91440" bIns="45720" rtlCol="0" anchor="t">
+            <a:normAutofit/>
+          </a:bodyPr>
+          <a:lstStyle>
+            <a:lvl1pPr algn="l" defTabSz="914400" rtl="0" eaLnBrk="1" latinLnBrk="0" hangingPunct="1">
+              <a:lnSpc>
+                <a:spcPct val="90000"/>
+              </a:lnSpc>
+              <a:spcBef>
+                <a:spcPct val="0"/>
+              </a:spcBef>
+              <a:buNone/>
+              <a:defRPr sz="4400" kern="1200">
+                <a:solidFill>
+                  <a:schemeClr val="tx1"/>
+                </a:solidFill>
+                <a:latin typeface="+mj-lt"/>
+                <a:ea typeface="+mj-ea"/>
+                <a:cs typeface="+mj-cs"/>
+              </a:defRPr>
+            </a:lvl1pPr>
+          </a:lstStyle>
+          <a:p>
+            <a:r>
+              <a:rPr lang="en-US" sz="3200" dirty="0">
+                <a:latin typeface="+mn-lt"/>
+              </a:rPr>
+              <a:t>CHEST X-RAY REPORT</a:t>
+            </a:r>
+          </a:p>
+        </p:txBody>
+      </p:sp>
+      <p:sp>
+        <p:nvSpPr>
+          <p:cNvPr id="11" name="Rectangle 9">
+            <a:extLst>
+              <a:ext uri="{FF2B5EF4-FFF2-40B4-BE49-F238E27FC236}">
+                <a16:creationId xmlns:a16="http://schemas.microsoft.com/office/drawing/2014/main" id="{5673CC79-1B73-5AA5-74EE-DCBA87C263E6}"/>
+              </a:ext>
+            </a:extLst>
+          </p:cNvPr>
+          <p:cNvSpPr>
+            <a:spLocks noChangeArrowheads="1"/>
+          </p:cNvSpPr>
+          <p:nvPr/>
+        </p:nvSpPr>
+        <p:spPr bwMode="auto">
+          <a:xfrm>
+            <a:off x="761839" y="1760198"/>
+            <a:ext cx="5334161" cy="4147998"/>
+          </a:xfrm>
+          <a:prstGeom prst="rect">
+            <a:avLst/>
+          </a:prstGeom>
+          <a:extLst>
+            <a:ext uri="{909E8E84-426E-40DD-AFC4-6F175D3DCCD1}">
+              <a14:hiddenFill xmlns:a14="http://schemas.microsoft.com/office/drawing/2010/main">
+                <a:solidFill>
+                  <a:schemeClr val="accent1"/>
+                </a:solidFill>
+              </a14:hiddenFill>
+            </a:ext>
+            <a:ext uri="{91240B29-F687-4F45-9708-019B960494DF}">
+              <a14:hiddenLine xmlns:a14="http://schemas.microsoft.com/office/drawing/2010/main" w="9525">
+                <a:solidFill>
+                  <a:schemeClr val="tx1"/>
+                </a:solidFill>
+                <a:miter lim="800000"/>
+                <a:headEnd/>
+                <a:tailEnd/>
+              </a14:hiddenLine>
+            </a:ext>
+            <a:ext uri="{AF507438-7753-43E0-B8FC-AC1667EBCBE1}">
+              <a14:hiddenEffects xmlns:a14="http://schemas.microsoft.com/office/drawing/2010/main">
+                <a:effectLst>
+                  <a:outerShdw dist="35921" dir="2700000" algn="ctr" rotWithShape="0">
+                    <a:schemeClr val="bg2"/>
+                  </a:outerShdw>
+                </a:effectLst>
+              </a14:hiddenEffects>
+            </a:ext>
+          </a:extLst>
+        </p:spPr>
+        <p:txBody>
+          <a:bodyPr vert="horz" lIns="91440" tIns="45720" rIns="91440" bIns="45720" numCol="1" rtlCol="0" anchorCtr="0" compatLnSpc="1">
+            <a:prstTxWarp prst="textNoShape">
+              <a:avLst/>
+            </a:prstTxWarp>
+            <a:noAutofit/>
+          </a:bodyPr>
+          <a:lstStyle>
+            <a:lvl1pPr eaLnBrk="0" fontAlgn="base" hangingPunct="0">
+              <a:spcBef>
+                <a:spcPct val="0"/>
+              </a:spcBef>
+              <a:spcAft>
+                <a:spcPct val="0"/>
+              </a:spcAft>
+              <a:defRPr>
+                <a:solidFill>
+                  <a:schemeClr val="tx1"/>
+                </a:solidFill>
+                <a:latin typeface="Arial" panose="020B0604020202020204" pitchFamily="34" charset="0"/>
+              </a:defRPr>
+            </a:lvl1pPr>
+            <a:lvl2pPr eaLnBrk="0" fontAlgn="base" hangingPunct="0">
+              <a:spcBef>
+                <a:spcPct val="0"/>
+              </a:spcBef>
+              <a:spcAft>
+                <a:spcPct val="0"/>
+              </a:spcAft>
+              <a:defRPr>
+                <a:solidFill>
+                  <a:schemeClr val="tx1"/>
+                </a:solidFill>
+                <a:latin typeface="Arial" panose="020B0604020202020204" pitchFamily="34" charset="0"/>
+              </a:defRPr>
+            </a:lvl2pPr>
+            <a:lvl3pPr eaLnBrk="0" fontAlgn="base" hangingPunct="0">
+              <a:spcBef>
+                <a:spcPct val="0"/>
+              </a:spcBef>
+              <a:spcAft>
+                <a:spcPct val="0"/>
+              </a:spcAft>
+              <a:defRPr>
+                <a:solidFill>
+                  <a:schemeClr val="tx1"/>
+                </a:solidFill>
+                <a:latin typeface="Arial" panose="020B0604020202020204" pitchFamily="34" charset="0"/>
+              </a:defRPr>
+            </a:lvl3pPr>
+            <a:lvl4pPr eaLnBrk="0" fontAlgn="base" hangingPunct="0">
+              <a:spcBef>
+                <a:spcPct val="0"/>
+              </a:spcBef>
+              <a:spcAft>
+                <a:spcPct val="0"/>
+              </a:spcAft>
+              <a:defRPr>
+                <a:solidFill>
+                  <a:schemeClr val="tx1"/>
+                </a:solidFill>
+                <a:latin typeface="Arial" panose="020B0604020202020204" pitchFamily="34" charset="0"/>
+              </a:defRPr>
+            </a:lvl4pPr>
+            <a:lvl5pPr eaLnBrk="0" fontAlgn="base" hangingPunct="0">
+              <a:spcBef>
+                <a:spcPct val="0"/>
+              </a:spcBef>
+              <a:spcAft>
+                <a:spcPct val="0"/>
+              </a:spcAft>
+              <a:defRPr>
+                <a:solidFill>
+                  <a:schemeClr val="tx1"/>
+                </a:solidFill>
+                <a:latin typeface="Arial" panose="020B0604020202020204" pitchFamily="34" charset="0"/>
+              </a:defRPr>
+            </a:lvl5pPr>
+            <a:lvl6pPr eaLnBrk="0" fontAlgn="base" hangingPunct="0">
+              <a:spcBef>
+                <a:spcPct val="0"/>
+              </a:spcBef>
+              <a:spcAft>
+                <a:spcPct val="0"/>
+              </a:spcAft>
+              <a:defRPr>
+                <a:solidFill>
+                  <a:schemeClr val="tx1"/>
+                </a:solidFill>
+                <a:latin typeface="Arial" panose="020B0604020202020204" pitchFamily="34" charset="0"/>
+              </a:defRPr>
+            </a:lvl6pPr>
+            <a:lvl7pPr eaLnBrk="0" fontAlgn="base" hangingPunct="0">
+              <a:spcBef>
+                <a:spcPct val="0"/>
+              </a:spcBef>
+              <a:spcAft>
+                <a:spcPct val="0"/>
+              </a:spcAft>
+              <a:defRPr>
+                <a:solidFill>
+                  <a:schemeClr val="tx1"/>
+                </a:solidFill>
+                <a:latin typeface="Arial" panose="020B0604020202020204" pitchFamily="34" charset="0"/>
+              </a:defRPr>
+            </a:lvl7pPr>
+            <a:lvl8pPr eaLnBrk="0" fontAlgn="base" hangingPunct="0">
+              <a:spcBef>
+                <a:spcPct val="0"/>
+              </a:spcBef>
+              <a:spcAft>
+                <a:spcPct val="0"/>
+              </a:spcAft>
+              <a:defRPr>
+                <a:solidFill>
+                  <a:schemeClr val="tx1"/>
+                </a:solidFill>
+                <a:latin typeface="Arial" panose="020B0604020202020204" pitchFamily="34" charset="0"/>
+              </a:defRPr>
+            </a:lvl8pPr>
+            <a:lvl9pPr eaLnBrk="0" fontAlgn="base" hangingPunct="0">
+              <a:spcBef>
+                <a:spcPct val="0"/>
+              </a:spcBef>
+              <a:spcAft>
+                <a:spcPct val="0"/>
+              </a:spcAft>
+              <a:defRPr>
+                <a:solidFill>
+                  <a:schemeClr val="tx1"/>
+                </a:solidFill>
+                <a:latin typeface="Arial" panose="020B0604020202020204" pitchFamily="34" charset="0"/>
+              </a:defRPr>
+            </a:lvl9pPr>
+          </a:lstStyle>
+          <a:p>
+            <a:pPr marL="0" marR="0" lvl="0" indent="-228600" eaLnBrk="1" fontAlgn="base" hangingPunct="1">
+              <a:lnSpc>
+                <a:spcPct val="90000"/>
+              </a:lnSpc>
+              <a:spcBef>
+                <a:spcPct val="0"/>
+              </a:spcBef>
+              <a:spcAft>
+                <a:spcPts val="600"/>
+              </a:spcAft>
+              <a:buClrTx/>
+              <a:buSzTx/>
+              <a:buFont typeface="Arial" panose="020B0604020202020204" pitchFamily="34" charset="0"/>
+              <a:buChar char="•"/>
+              <a:tabLst/>
+            </a:pPr>
+            <a:endParaRPr lang="en-US" altLang="en-US" dirty="0">
+              <a:latin typeface="+mn-lt"/>
+            </a:endParaRPr>
+          </a:p>
+          <a:p>
+            <a:pPr marR="0" lvl="0" eaLnBrk="1" fontAlgn="base" hangingPunct="1">
+              <a:lnSpc>
+                <a:spcPct val="90000"/>
+              </a:lnSpc>
+              <a:spcBef>
+                <a:spcPct val="0"/>
+              </a:spcBef>
+              <a:spcAft>
+                <a:spcPts val="600"/>
+              </a:spcAft>
+              <a:buClrTx/>
+              <a:buSzTx/>
+              <a:tabLst/>
+            </a:pPr>
+            <a:r>
+              <a:rPr lang="en-US" altLang="en-US" b="1" dirty="0">
+                <a:latin typeface="+mn-lt"/>
+              </a:rPr>
+              <a:t>X-ray Number : </a:t>
+            </a:r>
+            <a:r>
+              <a:rPr lang="en-US" altLang="en-US" dirty="0">
+                <a:latin typeface="+mn-lt"/>
+              </a:rPr>
+              <a:t>52587412</a:t>
+            </a:r>
+          </a:p>
+          <a:p>
+            <a:pPr marL="0" marR="0" lvl="0" indent="-228600" eaLnBrk="1" fontAlgn="base" hangingPunct="1">
+              <a:lnSpc>
+                <a:spcPct val="90000"/>
+              </a:lnSpc>
+              <a:spcBef>
+                <a:spcPct val="0"/>
+              </a:spcBef>
+              <a:spcAft>
+                <a:spcPts val="600"/>
+              </a:spcAft>
+              <a:buClrTx/>
+              <a:buSzTx/>
+              <a:buFont typeface="Arial" panose="020B0604020202020204" pitchFamily="34" charset="0"/>
+              <a:buChar char="•"/>
+              <a:tabLst/>
+            </a:pPr>
+            <a:endParaRPr lang="en-US" altLang="en-US" dirty="0">
+              <a:latin typeface="+mn-lt"/>
+            </a:endParaRPr>
+          </a:p>
+          <a:p>
+            <a:pPr marR="0" lvl="0" eaLnBrk="1" fontAlgn="base" hangingPunct="1">
+              <a:lnSpc>
+                <a:spcPct val="90000"/>
+              </a:lnSpc>
+              <a:spcBef>
+                <a:spcPct val="0"/>
+              </a:spcBef>
+              <a:spcAft>
+                <a:spcPts val="600"/>
+              </a:spcAft>
+              <a:buClrTx/>
+              <a:buSzTx/>
+              <a:tabLst/>
+            </a:pPr>
+            <a:r>
+              <a:rPr lang="en-US" altLang="en-US" b="1" dirty="0">
+                <a:latin typeface="+mn-lt"/>
+              </a:rPr>
+              <a:t>READINGS :</a:t>
+            </a:r>
+          </a:p>
+          <a:p>
+            <a:pPr marL="0" marR="0" lvl="0" indent="-228600" eaLnBrk="1" fontAlgn="base" hangingPunct="1">
+              <a:spcBef>
+                <a:spcPct val="0"/>
+              </a:spcBef>
+              <a:spcAft>
+                <a:spcPts val="600"/>
+              </a:spcAft>
+              <a:buClrTx/>
+              <a:buSzTx/>
+              <a:buFont typeface="Arial" panose="020B0604020202020204" pitchFamily="34" charset="0"/>
+              <a:buChar char="•"/>
+              <a:tabLst/>
+            </a:pPr>
+            <a:r>
+              <a:rPr lang="en-US" altLang="en-US" b="1" dirty="0">
+                <a:latin typeface="+mn-lt"/>
+              </a:rPr>
+              <a:t>Lungs : </a:t>
+            </a:r>
+            <a:r>
+              <a:rPr lang="en-US" altLang="en-US" dirty="0">
+                <a:latin typeface="+mn-lt"/>
+              </a:rPr>
+              <a:t>Clear and well-inflated; no signs of pneumonia, pneumothorax, or effusion.</a:t>
+            </a:r>
+          </a:p>
+          <a:p>
+            <a:pPr marL="0" marR="0" lvl="0" indent="-228600" eaLnBrk="1" fontAlgn="base" hangingPunct="1">
+              <a:spcBef>
+                <a:spcPct val="0"/>
+              </a:spcBef>
+              <a:spcAft>
+                <a:spcPts val="600"/>
+              </a:spcAft>
+              <a:buClrTx/>
+              <a:buSzTx/>
+              <a:buFont typeface="Arial" panose="020B0604020202020204" pitchFamily="34" charset="0"/>
+              <a:buChar char="•"/>
+              <a:tabLst/>
+            </a:pPr>
+            <a:r>
+              <a:rPr lang="en-US" altLang="en-US" b="1" dirty="0">
+                <a:latin typeface="+mn-lt"/>
+              </a:rPr>
+              <a:t>Heart : </a:t>
+            </a:r>
+            <a:r>
+              <a:rPr lang="en-US" altLang="en-US" dirty="0">
+                <a:latin typeface="+mn-lt"/>
+              </a:rPr>
+              <a:t>Normal size and shape; cardiac silhouette within normal limits; no cardiomegaly or pericardial effusion. </a:t>
+            </a:r>
+          </a:p>
+          <a:p>
+            <a:pPr marL="0" marR="0" lvl="0" indent="-228600" eaLnBrk="1" fontAlgn="base" hangingPunct="1">
+              <a:spcBef>
+                <a:spcPct val="0"/>
+              </a:spcBef>
+              <a:spcAft>
+                <a:spcPts val="600"/>
+              </a:spcAft>
+              <a:buClrTx/>
+              <a:buSzTx/>
+              <a:buFont typeface="Arial" panose="020B0604020202020204" pitchFamily="34" charset="0"/>
+              <a:buChar char="•"/>
+              <a:tabLst/>
+            </a:pPr>
+            <a:r>
+              <a:rPr lang="en-US" altLang="en-US" b="1" dirty="0">
+                <a:latin typeface="+mn-lt"/>
+              </a:rPr>
+              <a:t>Diaphragms : </a:t>
+            </a:r>
+            <a:r>
+              <a:rPr lang="en-US" altLang="en-US" dirty="0">
+                <a:latin typeface="+mn-lt"/>
+              </a:rPr>
+              <a:t>Well-defined and even; no elevation or depression.</a:t>
+            </a:r>
+          </a:p>
+          <a:p>
+            <a:pPr marL="0" marR="0" lvl="0" indent="-228600" eaLnBrk="1" fontAlgn="base" hangingPunct="1">
+              <a:spcBef>
+                <a:spcPct val="0"/>
+              </a:spcBef>
+              <a:spcAft>
+                <a:spcPts val="600"/>
+              </a:spcAft>
+              <a:buClrTx/>
+              <a:buSzTx/>
+              <a:buFont typeface="Arial" panose="020B0604020202020204" pitchFamily="34" charset="0"/>
+              <a:buChar char="•"/>
+              <a:tabLst/>
+            </a:pPr>
+            <a:r>
+              <a:rPr lang="en-US" altLang="en-US" b="1" dirty="0">
+                <a:latin typeface="+mn-lt"/>
+              </a:rPr>
+              <a:t>Bones : </a:t>
+            </a:r>
+            <a:r>
+              <a:rPr lang="en-US" altLang="en-US" dirty="0">
+                <a:latin typeface="+mn-lt"/>
+              </a:rPr>
+              <a:t>Normal appearance; no fractures or dislocations.</a:t>
+            </a:r>
+          </a:p>
+        </p:txBody>
+      </p:sp>
+      <p:pic>
+        <p:nvPicPr>
+          <p:cNvPr id="12" name="Picture 1" descr="A chest x-ray of a person&#10;&#10;Description automatically generated">
+            <a:extLst>
+              <a:ext uri="{FF2B5EF4-FFF2-40B4-BE49-F238E27FC236}">
+                <a16:creationId xmlns:a16="http://schemas.microsoft.com/office/drawing/2014/main" id="{E3689B34-F6A6-D4EE-3C2A-7FB96FFCDC5B}"/>
+              </a:ext>
+            </a:extLst>
+          </p:cNvPr>
+          <p:cNvPicPr>
+            <a:picLocks noChangeAspect="1" noChangeArrowheads="1"/>
+          </p:cNvPicPr>
+          <p:nvPr/>
+        </p:nvPicPr>
+        <p:blipFill>
+          <a:blip r:embed="rId2">
+            <a:extLst>
+              <a:ext uri="{28A0092B-C50C-407E-A947-70E740481C1C}">
+                <a14:useLocalDpi xmlns:a14="http://schemas.microsoft.com/office/drawing/2010/main" val="0"/>
+              </a:ext>
+            </a:extLst>
+          </a:blip>
+          <a:stretch>
+            <a:fillRect/>
+          </a:stretch>
+        </p:blipFill>
+        <p:spPr bwMode="auto">
+          <a:xfrm>
+            <a:off x="7069394" y="771754"/>
+            <a:ext cx="4005494" cy="4579148"/>
+          </a:xfrm>
+          <a:prstGeom prst="rect">
+            <a:avLst/>
+          </a:prstGeom>
+          <a:noFill/>
+          <a:extLst>
+            <a:ext uri="{909E8E84-426E-40DD-AFC4-6F175D3DCCD1}">
+              <a14:hiddenFill xmlns:a14="http://schemas.microsoft.com/office/drawing/2010/main">
+                <a:solidFill>
+                  <a:srgbClr val="FFFFFF"/>
+                </a:solidFill>
+              </a14:hiddenFill>
+            </a:ext>
+          </a:extLst>
+        </p:spPr>
+      </p:pic>
+      <p:sp>
+        <p:nvSpPr>
+          <p:cNvPr id="13" name="Text Box 6">
+            <a:extLst>
+              <a:ext uri="{FF2B5EF4-FFF2-40B4-BE49-F238E27FC236}">
+                <a16:creationId xmlns:a16="http://schemas.microsoft.com/office/drawing/2014/main" id="{D0E5E2ED-8D7A-4B6D-4121-1EDA37E9CBED}"/>
+              </a:ext>
+            </a:extLst>
+          </p:cNvPr>
+          <p:cNvSpPr txBox="1"/>
+          <p:nvPr/>
+        </p:nvSpPr>
+        <p:spPr>
+          <a:xfrm>
+            <a:off x="7695739" y="5452777"/>
+            <a:ext cx="3198403" cy="230832"/>
+          </a:xfrm>
+          <a:prstGeom prst="rect">
+            <a:avLst/>
+          </a:prstGeom>
+          <a:solidFill>
+            <a:prstClr val="white"/>
+          </a:solidFill>
+          <a:ln>
+            <a:noFill/>
+          </a:ln>
+        </p:spPr>
+        <p:txBody>
+          <a:bodyPr rot="0" spcFirstLastPara="0" vert="horz" wrap="square" lIns="0" tIns="0" rIns="0" bIns="0" numCol="1" spcCol="0" rtlCol="0" fromWordArt="0" anchor="t" anchorCtr="0" forceAA="0" compatLnSpc="1">
+            <a:prstTxWarp prst="textNoShape">
+              <a:avLst/>
+            </a:prstTxWarp>
+            <a:spAutoFit/>
+          </a:bodyPr>
+          <a:lstStyle/>
+          <a:p>
+            <a:pPr marL="0" marR="0" algn="ctr">
+              <a:spcBef>
+                <a:spcPts val="0"/>
+              </a:spcBef>
+              <a:spcAft>
+                <a:spcPts val="0"/>
+              </a:spcAft>
+            </a:pPr>
+            <a:r>
+              <a:rPr lang="en-US" sz="1500" i="1" dirty="0">
+                <a:effectLst/>
+                <a:ea typeface="Times New Roman" panose="02020603050405020304" pitchFamily="18" charset="0"/>
+              </a:rPr>
+              <a:t>Figure 1: Chest X-ray- TIFF Version</a:t>
+            </a:r>
+          </a:p>
+        </p:txBody>
+      </p:sp>
+    </p:spTree>
+    <p:extLst>
+      <p:ext uri="{BB962C8B-B14F-4D97-AF65-F5344CB8AC3E}">
+        <p14:creationId xmlns:p14="http://schemas.microsoft.com/office/powerpoint/2010/main" val="4027211067"/>
+      </p:ext>
+    </p:extLst>
+  </p:cSld>
+  <p:clrMapOvr>
+    <a:masterClrMapping/>
+  </p:clrMapOvr>
+</p:sld>
+</file>
+
+<file path=ppt/slides/slide5.xml><?xml version="1.0" encoding="utf-8"?>
+<p:sld xmlns:a="http://schemas.openxmlformats.org/drawingml/2006/main" xmlns:r="http://schemas.openxmlformats.org/officeDocument/2006/relationships" xmlns:p="http://schemas.openxmlformats.org/presentationml/2006/main">
+  <p:cSld>
+    <p:spTree>
+      <p:nvGrpSpPr>
+        <p:cNvPr id="1" name=""/>
+        <p:cNvGrpSpPr/>
+        <p:nvPr/>
+      </p:nvGrpSpPr>
+      <p:grpSpPr>
+        <a:xfrm>
+          <a:off x="0" y="0"/>
+          <a:ext cx="0" cy="0"/>
+          <a:chOff x="0" y="0"/>
+          <a:chExt cx="0" cy="0"/>
+        </a:xfrm>
+      </p:grpSpPr>
       <p:sp>
         <p:nvSpPr>
           <p:cNvPr id="2" name="Title 1"/>
@@ -4705,7 +7209,7 @@
 </p:sld>
 </file>
 
-<file path=ppt/slides/slide3.xml><?xml version="1.0" encoding="utf-8"?>
+<file path=ppt/slides/slide6.xml><?xml version="1.0" encoding="utf-8"?>
 <p:sld xmlns:a="http://schemas.openxmlformats.org/drawingml/2006/main" xmlns:r="http://schemas.openxmlformats.org/officeDocument/2006/relationships" xmlns:p="http://schemas.openxmlformats.org/presentationml/2006/main">
   <p:cSld>
     <p:spTree>
@@ -4763,7 +7267,7 @@
 </p:sld>
 </file>
 
-<file path=ppt/slides/slide4.xml><?xml version="1.0" encoding="utf-8"?>
+<file path=ppt/slides/slide7.xml><?xml version="1.0" encoding="utf-8"?>
 <p:sld xmlns:a="http://schemas.openxmlformats.org/drawingml/2006/main" xmlns:r="http://schemas.openxmlformats.org/officeDocument/2006/relationships" xmlns:p="http://schemas.openxmlformats.org/presentationml/2006/main">
   <p:cSld>
     <p:spTree>
